--- a/Semantic Segmentation for Self Driving Cars.pptx
+++ b/Semantic Segmentation for Self Driving Cars.pptx
@@ -21,24 +21,23 @@
     <p:sldId id="266" r:id="rId17"/>
     <p:sldId id="267" r:id="rId18"/>
     <p:sldId id="268" r:id="rId19"/>
-    <p:sldId id="269" r:id="rId20"/>
   </p:sldIdLst>
   <p:sldSz cy="5143500" cx="9144000"/>
   <p:notesSz cx="6858000" cy="9144000"/>
   <p:embeddedFontLst>
     <p:embeddedFont>
       <p:font typeface="Lora Medium"/>
-      <p:regular r:id="rId21"/>
-      <p:bold r:id="rId22"/>
-      <p:italic r:id="rId23"/>
-      <p:boldItalic r:id="rId24"/>
+      <p:regular r:id="rId20"/>
+      <p:bold r:id="rId21"/>
+      <p:italic r:id="rId22"/>
+      <p:boldItalic r:id="rId23"/>
     </p:embeddedFont>
     <p:embeddedFont>
       <p:font typeface="Lora"/>
-      <p:regular r:id="rId25"/>
-      <p:bold r:id="rId26"/>
-      <p:italic r:id="rId27"/>
-      <p:boldItalic r:id="rId28"/>
+      <p:regular r:id="rId24"/>
+      <p:bold r:id="rId25"/>
+      <p:italic r:id="rId26"/>
+      <p:boldItalic r:id="rId27"/>
     </p:embeddedFont>
   </p:embeddedFontLst>
   <p:defaultTextStyle>
@@ -286,7 +285,7 @@
       </p15:sldGuideLst>
     </p:ext>
     <p:ext uri="GoogleSlidesCustomDataVersion2">
-      <go:slidesCustomData xmlns:go="http://customooxmlschemas.google.com/" r:id="rId29" roundtripDataSignature="AMtx7mi3db9upEmCopolA2EURxpIftQL5g=="/>
+      <go:slidesCustomData xmlns:go="http://customooxmlschemas.google.com/" r:id="rId28" roundtripDataSignature="AMtx7mhrh4c2kCSNqEQ44Ce+JeehFO9xng=="/>
     </p:ext>
   </p:extLst>
 </p:presentation>
@@ -982,7 +981,7 @@
   <p:cSld>
     <p:spTree>
       <p:nvGrpSpPr>
-        <p:cNvPr id="117" name="Shape 117"/>
+        <p:cNvPr id="118" name="Shape 118"/>
         <p:cNvGrpSpPr/>
         <p:nvPr/>
       </p:nvGrpSpPr>
@@ -996,7 +995,7 @@
       </p:grpSpPr>
       <p:sp>
         <p:nvSpPr>
-          <p:cNvPr id="118" name="Google Shape;118;p10:notes"/>
+          <p:cNvPr id="119" name="Google Shape;119;p11:notes"/>
           <p:cNvSpPr/>
           <p:nvPr>
             <p:ph idx="2" type="sldImg"/>
@@ -1041,7 +1040,7 @@
       </p:sp>
       <p:sp>
         <p:nvSpPr>
-          <p:cNvPr id="119" name="Google Shape;119;p10:notes"/>
+          <p:cNvPr id="120" name="Google Shape;120;p11:notes"/>
           <p:cNvSpPr txBox="1"/>
           <p:nvPr>
             <p:ph idx="1" type="body"/>
@@ -1099,7 +1098,7 @@
   <p:cSld>
     <p:spTree>
       <p:nvGrpSpPr>
-        <p:cNvPr id="123" name="Shape 123"/>
+        <p:cNvPr id="124" name="Shape 124"/>
         <p:cNvGrpSpPr/>
         <p:nvPr/>
       </p:nvGrpSpPr>
@@ -1113,7 +1112,241 @@
       </p:grpSpPr>
       <p:sp>
         <p:nvSpPr>
-          <p:cNvPr id="124" name="Google Shape;124;p11:notes"/>
+          <p:cNvPr id="125" name="Google Shape;125;p12:notes"/>
+          <p:cNvSpPr/>
+          <p:nvPr>
+            <p:ph idx="2" type="sldImg"/>
+          </p:nvPr>
+        </p:nvSpPr>
+        <p:spPr>
+          <a:xfrm>
+            <a:off x="381300" y="685800"/>
+            <a:ext cx="6096000" cy="3429000"/>
+          </a:xfrm>
+          <a:custGeom>
+            <a:rect b="b" l="l" r="r" t="t"/>
+            <a:pathLst>
+              <a:path extrusionOk="0" h="120000" w="120000">
+                <a:moveTo>
+                  <a:pt x="0" y="0"/>
+                </a:moveTo>
+                <a:lnTo>
+                  <a:pt x="120000" y="0"/>
+                </a:lnTo>
+                <a:lnTo>
+                  <a:pt x="120000" y="120000"/>
+                </a:lnTo>
+                <a:lnTo>
+                  <a:pt x="0" y="120000"/>
+                </a:lnTo>
+                <a:close/>
+              </a:path>
+            </a:pathLst>
+          </a:custGeom>
+          <a:noFill/>
+          <a:ln cap="flat" cmpd="sng" w="9525">
+            <a:solidFill>
+              <a:srgbClr val="000000"/>
+            </a:solidFill>
+            <a:prstDash val="solid"/>
+            <a:round/>
+            <a:headEnd len="sm" w="sm" type="none"/>
+            <a:tailEnd len="sm" w="sm" type="none"/>
+          </a:ln>
+        </p:spPr>
+      </p:sp>
+      <p:sp>
+        <p:nvSpPr>
+          <p:cNvPr id="126" name="Google Shape;126;p12:notes"/>
+          <p:cNvSpPr txBox="1"/>
+          <p:nvPr>
+            <p:ph idx="1" type="body"/>
+          </p:nvPr>
+        </p:nvSpPr>
+        <p:spPr>
+          <a:xfrm>
+            <a:off x="685800" y="4343400"/>
+            <a:ext cx="5486400" cy="4114800"/>
+          </a:xfrm>
+          <a:prstGeom prst="rect">
+            <a:avLst/>
+          </a:prstGeom>
+          <a:noFill/>
+          <a:ln>
+            <a:noFill/>
+          </a:ln>
+        </p:spPr>
+        <p:txBody>
+          <a:bodyPr anchorCtr="0" anchor="t" bIns="91425" lIns="91425" spcFirstLastPara="1" rIns="91425" wrap="square" tIns="91425">
+            <a:noAutofit/>
+          </a:bodyPr>
+          <a:lstStyle/>
+          <a:p>
+            <a:pPr indent="0" lvl="0" marL="0" rtl="0" algn="l">
+              <a:lnSpc>
+                <a:spcPct val="100000"/>
+              </a:lnSpc>
+              <a:spcBef>
+                <a:spcPts val="0"/>
+              </a:spcBef>
+              <a:spcAft>
+                <a:spcPts val="0"/>
+              </a:spcAft>
+              <a:buSzPts val="1100"/>
+              <a:buNone/>
+            </a:pPr>
+            <a:r>
+              <a:t/>
+            </a:r>
+            <a:endParaRPr/>
+          </a:p>
+        </p:txBody>
+      </p:sp>
+    </p:spTree>
+  </p:cSld>
+  <p:clrMapOvr>
+    <a:masterClrMapping/>
+  </p:clrMapOvr>
+</p:notes>
+</file>
+
+<file path=ppt/notesSlides/notesSlide12.xml><?xml version="1.0" encoding="utf-8"?>
+<p:notes xmlns:a="http://schemas.openxmlformats.org/drawingml/2006/main" xmlns:r="http://schemas.openxmlformats.org/officeDocument/2006/relationships" xmlns:mc="http://schemas.openxmlformats.org/markup-compatibility/2006" xmlns:mv="urn:schemas-microsoft-com:mac:vml" xmlns:p="http://schemas.openxmlformats.org/presentationml/2006/main" xmlns:c="http://schemas.openxmlformats.org/drawingml/2006/chart" xmlns:dgm="http://schemas.openxmlformats.org/drawingml/2006/diagram" xmlns:o="urn:schemas-microsoft-com:office:office" xmlns:v="urn:schemas-microsoft-com:vml" xmlns:pvml="urn:schemas-microsoft-com:office:powerpoint" xmlns:com="http://schemas.openxmlformats.org/drawingml/2006/compatibility" xmlns:p14="http://schemas.microsoft.com/office/powerpoint/2010/main" xmlns:p15="http://schemas.microsoft.com/office/powerpoint/2012/main" xmlns:ahyp="http://schemas.microsoft.com/office/drawing/2018/hyperlinkcolor" showMasterPhAnim="0" showMasterSp="0">
+  <p:cSld>
+    <p:spTree>
+      <p:nvGrpSpPr>
+        <p:cNvPr id="138" name="Shape 138"/>
+        <p:cNvGrpSpPr/>
+        <p:nvPr/>
+      </p:nvGrpSpPr>
+      <p:grpSpPr>
+        <a:xfrm>
+          <a:off x="0" y="0"/>
+          <a:ext cx="0" cy="0"/>
+          <a:chOff x="0" y="0"/>
+          <a:chExt cx="0" cy="0"/>
+        </a:xfrm>
+      </p:grpSpPr>
+      <p:sp>
+        <p:nvSpPr>
+          <p:cNvPr id="139" name="Google Shape;139;p13:notes"/>
+          <p:cNvSpPr/>
+          <p:nvPr>
+            <p:ph idx="2" type="sldImg"/>
+          </p:nvPr>
+        </p:nvSpPr>
+        <p:spPr>
+          <a:xfrm>
+            <a:off x="381300" y="685800"/>
+            <a:ext cx="6096000" cy="3429000"/>
+          </a:xfrm>
+          <a:custGeom>
+            <a:rect b="b" l="l" r="r" t="t"/>
+            <a:pathLst>
+              <a:path extrusionOk="0" h="120000" w="120000">
+                <a:moveTo>
+                  <a:pt x="0" y="0"/>
+                </a:moveTo>
+                <a:lnTo>
+                  <a:pt x="120000" y="0"/>
+                </a:lnTo>
+                <a:lnTo>
+                  <a:pt x="120000" y="120000"/>
+                </a:lnTo>
+                <a:lnTo>
+                  <a:pt x="0" y="120000"/>
+                </a:lnTo>
+                <a:close/>
+              </a:path>
+            </a:pathLst>
+          </a:custGeom>
+          <a:noFill/>
+          <a:ln cap="flat" cmpd="sng" w="9525">
+            <a:solidFill>
+              <a:srgbClr val="000000"/>
+            </a:solidFill>
+            <a:prstDash val="solid"/>
+            <a:round/>
+            <a:headEnd len="sm" w="sm" type="none"/>
+            <a:tailEnd len="sm" w="sm" type="none"/>
+          </a:ln>
+        </p:spPr>
+      </p:sp>
+      <p:sp>
+        <p:nvSpPr>
+          <p:cNvPr id="140" name="Google Shape;140;p13:notes"/>
+          <p:cNvSpPr txBox="1"/>
+          <p:nvPr>
+            <p:ph idx="1" type="body"/>
+          </p:nvPr>
+        </p:nvSpPr>
+        <p:spPr>
+          <a:xfrm>
+            <a:off x="685800" y="4343400"/>
+            <a:ext cx="5486400" cy="4114800"/>
+          </a:xfrm>
+          <a:prstGeom prst="rect">
+            <a:avLst/>
+          </a:prstGeom>
+          <a:noFill/>
+          <a:ln>
+            <a:noFill/>
+          </a:ln>
+        </p:spPr>
+        <p:txBody>
+          <a:bodyPr anchorCtr="0" anchor="t" bIns="91425" lIns="91425" spcFirstLastPara="1" rIns="91425" wrap="square" tIns="91425">
+            <a:noAutofit/>
+          </a:bodyPr>
+          <a:lstStyle/>
+          <a:p>
+            <a:pPr indent="0" lvl="0" marL="0" rtl="0" algn="l">
+              <a:lnSpc>
+                <a:spcPct val="100000"/>
+              </a:lnSpc>
+              <a:spcBef>
+                <a:spcPts val="0"/>
+              </a:spcBef>
+              <a:spcAft>
+                <a:spcPts val="0"/>
+              </a:spcAft>
+              <a:buSzPts val="1100"/>
+              <a:buNone/>
+            </a:pPr>
+            <a:r>
+              <a:t/>
+            </a:r>
+            <a:endParaRPr/>
+          </a:p>
+        </p:txBody>
+      </p:sp>
+    </p:spTree>
+  </p:cSld>
+  <p:clrMapOvr>
+    <a:masterClrMapping/>
+  </p:clrMapOvr>
+</p:notes>
+</file>
+
+<file path=ppt/notesSlides/notesSlide13.xml><?xml version="1.0" encoding="utf-8"?>
+<p:notes xmlns:a="http://schemas.openxmlformats.org/drawingml/2006/main" xmlns:r="http://schemas.openxmlformats.org/officeDocument/2006/relationships" xmlns:mc="http://schemas.openxmlformats.org/markup-compatibility/2006" xmlns:mv="urn:schemas-microsoft-com:mac:vml" xmlns:p="http://schemas.openxmlformats.org/presentationml/2006/main" xmlns:c="http://schemas.openxmlformats.org/drawingml/2006/chart" xmlns:dgm="http://schemas.openxmlformats.org/drawingml/2006/diagram" xmlns:o="urn:schemas-microsoft-com:office:office" xmlns:v="urn:schemas-microsoft-com:vml" xmlns:pvml="urn:schemas-microsoft-com:office:powerpoint" xmlns:com="http://schemas.openxmlformats.org/drawingml/2006/compatibility" xmlns:p14="http://schemas.microsoft.com/office/powerpoint/2010/main" xmlns:p15="http://schemas.microsoft.com/office/powerpoint/2012/main" xmlns:ahyp="http://schemas.microsoft.com/office/drawing/2018/hyperlinkcolor" showMasterPhAnim="0" showMasterSp="0">
+  <p:cSld>
+    <p:spTree>
+      <p:nvGrpSpPr>
+        <p:cNvPr id="145" name="Shape 145"/>
+        <p:cNvGrpSpPr/>
+        <p:nvPr/>
+      </p:nvGrpSpPr>
+      <p:grpSpPr>
+        <a:xfrm>
+          <a:off x="0" y="0"/>
+          <a:ext cx="0" cy="0"/>
+          <a:chOff x="0" y="0"/>
+          <a:chExt cx="0" cy="0"/>
+        </a:xfrm>
+      </p:grpSpPr>
+      <p:sp>
+        <p:nvSpPr>
+          <p:cNvPr id="146" name="Google Shape;146;p14:notes"/>
           <p:cNvSpPr/>
           <p:nvPr>
             <p:ph idx="2" type="sldImg"/>
@@ -1158,358 +1391,7 @@
       </p:sp>
       <p:sp>
         <p:nvSpPr>
-          <p:cNvPr id="125" name="Google Shape;125;p11:notes"/>
-          <p:cNvSpPr txBox="1"/>
-          <p:nvPr>
-            <p:ph idx="1" type="body"/>
-          </p:nvPr>
-        </p:nvSpPr>
-        <p:spPr>
-          <a:xfrm>
-            <a:off x="685800" y="4343400"/>
-            <a:ext cx="5486400" cy="4114800"/>
-          </a:xfrm>
-          <a:prstGeom prst="rect">
-            <a:avLst/>
-          </a:prstGeom>
-          <a:noFill/>
-          <a:ln>
-            <a:noFill/>
-          </a:ln>
-        </p:spPr>
-        <p:txBody>
-          <a:bodyPr anchorCtr="0" anchor="t" bIns="91425" lIns="91425" spcFirstLastPara="1" rIns="91425" wrap="square" tIns="91425">
-            <a:noAutofit/>
-          </a:bodyPr>
-          <a:lstStyle/>
-          <a:p>
-            <a:pPr indent="0" lvl="0" marL="0" rtl="0" algn="l">
-              <a:lnSpc>
-                <a:spcPct val="100000"/>
-              </a:lnSpc>
-              <a:spcBef>
-                <a:spcPts val="0"/>
-              </a:spcBef>
-              <a:spcAft>
-                <a:spcPts val="0"/>
-              </a:spcAft>
-              <a:buSzPts val="1100"/>
-              <a:buNone/>
-            </a:pPr>
-            <a:r>
-              <a:t/>
-            </a:r>
-            <a:endParaRPr/>
-          </a:p>
-        </p:txBody>
-      </p:sp>
-    </p:spTree>
-  </p:cSld>
-  <p:clrMapOvr>
-    <a:masterClrMapping/>
-  </p:clrMapOvr>
-</p:notes>
-</file>
-
-<file path=ppt/notesSlides/notesSlide12.xml><?xml version="1.0" encoding="utf-8"?>
-<p:notes xmlns:a="http://schemas.openxmlformats.org/drawingml/2006/main" xmlns:r="http://schemas.openxmlformats.org/officeDocument/2006/relationships" xmlns:mc="http://schemas.openxmlformats.org/markup-compatibility/2006" xmlns:mv="urn:schemas-microsoft-com:mac:vml" xmlns:p="http://schemas.openxmlformats.org/presentationml/2006/main" xmlns:c="http://schemas.openxmlformats.org/drawingml/2006/chart" xmlns:dgm="http://schemas.openxmlformats.org/drawingml/2006/diagram" xmlns:o="urn:schemas-microsoft-com:office:office" xmlns:v="urn:schemas-microsoft-com:vml" xmlns:pvml="urn:schemas-microsoft-com:office:powerpoint" xmlns:com="http://schemas.openxmlformats.org/drawingml/2006/compatibility" xmlns:p14="http://schemas.microsoft.com/office/powerpoint/2010/main" xmlns:p15="http://schemas.microsoft.com/office/powerpoint/2012/main" xmlns:ahyp="http://schemas.microsoft.com/office/drawing/2018/hyperlinkcolor" showMasterPhAnim="0" showMasterSp="0">
-  <p:cSld>
-    <p:spTree>
-      <p:nvGrpSpPr>
-        <p:cNvPr id="129" name="Shape 129"/>
-        <p:cNvGrpSpPr/>
-        <p:nvPr/>
-      </p:nvGrpSpPr>
-      <p:grpSpPr>
-        <a:xfrm>
-          <a:off x="0" y="0"/>
-          <a:ext cx="0" cy="0"/>
-          <a:chOff x="0" y="0"/>
-          <a:chExt cx="0" cy="0"/>
-        </a:xfrm>
-      </p:grpSpPr>
-      <p:sp>
-        <p:nvSpPr>
-          <p:cNvPr id="130" name="Google Shape;130;p12:notes"/>
-          <p:cNvSpPr/>
-          <p:nvPr>
-            <p:ph idx="2" type="sldImg"/>
-          </p:nvPr>
-        </p:nvSpPr>
-        <p:spPr>
-          <a:xfrm>
-            <a:off x="381300" y="685800"/>
-            <a:ext cx="6096000" cy="3429000"/>
-          </a:xfrm>
-          <a:custGeom>
-            <a:rect b="b" l="l" r="r" t="t"/>
-            <a:pathLst>
-              <a:path extrusionOk="0" h="120000" w="120000">
-                <a:moveTo>
-                  <a:pt x="0" y="0"/>
-                </a:moveTo>
-                <a:lnTo>
-                  <a:pt x="120000" y="0"/>
-                </a:lnTo>
-                <a:lnTo>
-                  <a:pt x="120000" y="120000"/>
-                </a:lnTo>
-                <a:lnTo>
-                  <a:pt x="0" y="120000"/>
-                </a:lnTo>
-                <a:close/>
-              </a:path>
-            </a:pathLst>
-          </a:custGeom>
-          <a:noFill/>
-          <a:ln cap="flat" cmpd="sng" w="9525">
-            <a:solidFill>
-              <a:srgbClr val="000000"/>
-            </a:solidFill>
-            <a:prstDash val="solid"/>
-            <a:round/>
-            <a:headEnd len="sm" w="sm" type="none"/>
-            <a:tailEnd len="sm" w="sm" type="none"/>
-          </a:ln>
-        </p:spPr>
-      </p:sp>
-      <p:sp>
-        <p:nvSpPr>
-          <p:cNvPr id="131" name="Google Shape;131;p12:notes"/>
-          <p:cNvSpPr txBox="1"/>
-          <p:nvPr>
-            <p:ph idx="1" type="body"/>
-          </p:nvPr>
-        </p:nvSpPr>
-        <p:spPr>
-          <a:xfrm>
-            <a:off x="685800" y="4343400"/>
-            <a:ext cx="5486400" cy="4114800"/>
-          </a:xfrm>
-          <a:prstGeom prst="rect">
-            <a:avLst/>
-          </a:prstGeom>
-          <a:noFill/>
-          <a:ln>
-            <a:noFill/>
-          </a:ln>
-        </p:spPr>
-        <p:txBody>
-          <a:bodyPr anchorCtr="0" anchor="t" bIns="91425" lIns="91425" spcFirstLastPara="1" rIns="91425" wrap="square" tIns="91425">
-            <a:noAutofit/>
-          </a:bodyPr>
-          <a:lstStyle/>
-          <a:p>
-            <a:pPr indent="0" lvl="0" marL="0" rtl="0" algn="l">
-              <a:lnSpc>
-                <a:spcPct val="100000"/>
-              </a:lnSpc>
-              <a:spcBef>
-                <a:spcPts val="0"/>
-              </a:spcBef>
-              <a:spcAft>
-                <a:spcPts val="0"/>
-              </a:spcAft>
-              <a:buSzPts val="1100"/>
-              <a:buNone/>
-            </a:pPr>
-            <a:r>
-              <a:t/>
-            </a:r>
-            <a:endParaRPr/>
-          </a:p>
-        </p:txBody>
-      </p:sp>
-    </p:spTree>
-  </p:cSld>
-  <p:clrMapOvr>
-    <a:masterClrMapping/>
-  </p:clrMapOvr>
-</p:notes>
-</file>
-
-<file path=ppt/notesSlides/notesSlide13.xml><?xml version="1.0" encoding="utf-8"?>
-<p:notes xmlns:a="http://schemas.openxmlformats.org/drawingml/2006/main" xmlns:r="http://schemas.openxmlformats.org/officeDocument/2006/relationships" xmlns:mc="http://schemas.openxmlformats.org/markup-compatibility/2006" xmlns:mv="urn:schemas-microsoft-com:mac:vml" xmlns:p="http://schemas.openxmlformats.org/presentationml/2006/main" xmlns:c="http://schemas.openxmlformats.org/drawingml/2006/chart" xmlns:dgm="http://schemas.openxmlformats.org/drawingml/2006/diagram" xmlns:o="urn:schemas-microsoft-com:office:office" xmlns:v="urn:schemas-microsoft-com:vml" xmlns:pvml="urn:schemas-microsoft-com:office:powerpoint" xmlns:com="http://schemas.openxmlformats.org/drawingml/2006/compatibility" xmlns:p14="http://schemas.microsoft.com/office/powerpoint/2010/main" xmlns:p15="http://schemas.microsoft.com/office/powerpoint/2012/main" xmlns:ahyp="http://schemas.microsoft.com/office/drawing/2018/hyperlinkcolor" showMasterPhAnim="0" showMasterSp="0">
-  <p:cSld>
-    <p:spTree>
-      <p:nvGrpSpPr>
-        <p:cNvPr id="143" name="Shape 143"/>
-        <p:cNvGrpSpPr/>
-        <p:nvPr/>
-      </p:nvGrpSpPr>
-      <p:grpSpPr>
-        <a:xfrm>
-          <a:off x="0" y="0"/>
-          <a:ext cx="0" cy="0"/>
-          <a:chOff x="0" y="0"/>
-          <a:chExt cx="0" cy="0"/>
-        </a:xfrm>
-      </p:grpSpPr>
-      <p:sp>
-        <p:nvSpPr>
-          <p:cNvPr id="144" name="Google Shape;144;p13:notes"/>
-          <p:cNvSpPr/>
-          <p:nvPr>
-            <p:ph idx="2" type="sldImg"/>
-          </p:nvPr>
-        </p:nvSpPr>
-        <p:spPr>
-          <a:xfrm>
-            <a:off x="381300" y="685800"/>
-            <a:ext cx="6096000" cy="3429000"/>
-          </a:xfrm>
-          <a:custGeom>
-            <a:rect b="b" l="l" r="r" t="t"/>
-            <a:pathLst>
-              <a:path extrusionOk="0" h="120000" w="120000">
-                <a:moveTo>
-                  <a:pt x="0" y="0"/>
-                </a:moveTo>
-                <a:lnTo>
-                  <a:pt x="120000" y="0"/>
-                </a:lnTo>
-                <a:lnTo>
-                  <a:pt x="120000" y="120000"/>
-                </a:lnTo>
-                <a:lnTo>
-                  <a:pt x="0" y="120000"/>
-                </a:lnTo>
-                <a:close/>
-              </a:path>
-            </a:pathLst>
-          </a:custGeom>
-          <a:noFill/>
-          <a:ln cap="flat" cmpd="sng" w="9525">
-            <a:solidFill>
-              <a:srgbClr val="000000"/>
-            </a:solidFill>
-            <a:prstDash val="solid"/>
-            <a:round/>
-            <a:headEnd len="sm" w="sm" type="none"/>
-            <a:tailEnd len="sm" w="sm" type="none"/>
-          </a:ln>
-        </p:spPr>
-      </p:sp>
-      <p:sp>
-        <p:nvSpPr>
-          <p:cNvPr id="145" name="Google Shape;145;p13:notes"/>
-          <p:cNvSpPr txBox="1"/>
-          <p:nvPr>
-            <p:ph idx="1" type="body"/>
-          </p:nvPr>
-        </p:nvSpPr>
-        <p:spPr>
-          <a:xfrm>
-            <a:off x="685800" y="4343400"/>
-            <a:ext cx="5486400" cy="4114800"/>
-          </a:xfrm>
-          <a:prstGeom prst="rect">
-            <a:avLst/>
-          </a:prstGeom>
-          <a:noFill/>
-          <a:ln>
-            <a:noFill/>
-          </a:ln>
-        </p:spPr>
-        <p:txBody>
-          <a:bodyPr anchorCtr="0" anchor="t" bIns="91425" lIns="91425" spcFirstLastPara="1" rIns="91425" wrap="square" tIns="91425">
-            <a:noAutofit/>
-          </a:bodyPr>
-          <a:lstStyle/>
-          <a:p>
-            <a:pPr indent="0" lvl="0" marL="0" rtl="0" algn="l">
-              <a:lnSpc>
-                <a:spcPct val="100000"/>
-              </a:lnSpc>
-              <a:spcBef>
-                <a:spcPts val="0"/>
-              </a:spcBef>
-              <a:spcAft>
-                <a:spcPts val="0"/>
-              </a:spcAft>
-              <a:buSzPts val="1100"/>
-              <a:buNone/>
-            </a:pPr>
-            <a:r>
-              <a:t/>
-            </a:r>
-            <a:endParaRPr/>
-          </a:p>
-        </p:txBody>
-      </p:sp>
-    </p:spTree>
-  </p:cSld>
-  <p:clrMapOvr>
-    <a:masterClrMapping/>
-  </p:clrMapOvr>
-</p:notes>
-</file>
-
-<file path=ppt/notesSlides/notesSlide14.xml><?xml version="1.0" encoding="utf-8"?>
-<p:notes xmlns:a="http://schemas.openxmlformats.org/drawingml/2006/main" xmlns:r="http://schemas.openxmlformats.org/officeDocument/2006/relationships" xmlns:mc="http://schemas.openxmlformats.org/markup-compatibility/2006" xmlns:mv="urn:schemas-microsoft-com:mac:vml" xmlns:p="http://schemas.openxmlformats.org/presentationml/2006/main" xmlns:c="http://schemas.openxmlformats.org/drawingml/2006/chart" xmlns:dgm="http://schemas.openxmlformats.org/drawingml/2006/diagram" xmlns:o="urn:schemas-microsoft-com:office:office" xmlns:v="urn:schemas-microsoft-com:vml" xmlns:pvml="urn:schemas-microsoft-com:office:powerpoint" xmlns:com="http://schemas.openxmlformats.org/drawingml/2006/compatibility" xmlns:p14="http://schemas.microsoft.com/office/powerpoint/2010/main" xmlns:p15="http://schemas.microsoft.com/office/powerpoint/2012/main" xmlns:ahyp="http://schemas.microsoft.com/office/drawing/2018/hyperlinkcolor" showMasterPhAnim="0" showMasterSp="0">
-  <p:cSld>
-    <p:spTree>
-      <p:nvGrpSpPr>
-        <p:cNvPr id="150" name="Shape 150"/>
-        <p:cNvGrpSpPr/>
-        <p:nvPr/>
-      </p:nvGrpSpPr>
-      <p:grpSpPr>
-        <a:xfrm>
-          <a:off x="0" y="0"/>
-          <a:ext cx="0" cy="0"/>
-          <a:chOff x="0" y="0"/>
-          <a:chExt cx="0" cy="0"/>
-        </a:xfrm>
-      </p:grpSpPr>
-      <p:sp>
-        <p:nvSpPr>
-          <p:cNvPr id="151" name="Google Shape;151;p14:notes"/>
-          <p:cNvSpPr/>
-          <p:nvPr>
-            <p:ph idx="2" type="sldImg"/>
-          </p:nvPr>
-        </p:nvSpPr>
-        <p:spPr>
-          <a:xfrm>
-            <a:off x="381000" y="685800"/>
-            <a:ext cx="6096000" cy="3429000"/>
-          </a:xfrm>
-          <a:custGeom>
-            <a:rect b="b" l="l" r="r" t="t"/>
-            <a:pathLst>
-              <a:path extrusionOk="0" h="120000" w="120000">
-                <a:moveTo>
-                  <a:pt x="0" y="0"/>
-                </a:moveTo>
-                <a:lnTo>
-                  <a:pt x="120000" y="0"/>
-                </a:lnTo>
-                <a:lnTo>
-                  <a:pt x="120000" y="120000"/>
-                </a:lnTo>
-                <a:lnTo>
-                  <a:pt x="0" y="120000"/>
-                </a:lnTo>
-                <a:close/>
-              </a:path>
-            </a:pathLst>
-          </a:custGeom>
-          <a:noFill/>
-          <a:ln cap="flat" cmpd="sng" w="9525">
-            <a:solidFill>
-              <a:srgbClr val="000000"/>
-            </a:solidFill>
-            <a:prstDash val="solid"/>
-            <a:round/>
-            <a:headEnd len="sm" w="sm" type="none"/>
-            <a:tailEnd len="sm" w="sm" type="none"/>
-          </a:ln>
-        </p:spPr>
-      </p:sp>
-      <p:sp>
-        <p:nvSpPr>
-          <p:cNvPr id="152" name="Google Shape;152;p14:notes"/>
+          <p:cNvPr id="147" name="Google Shape;147;p14:notes"/>
           <p:cNvSpPr txBox="1"/>
           <p:nvPr>
             <p:ph idx="1" type="body"/>
@@ -10287,7 +10169,7 @@
   <p:cSld>
     <p:spTree>
       <p:nvGrpSpPr>
-        <p:cNvPr id="120" name="Shape 120"/>
+        <p:cNvPr id="121" name="Shape 121"/>
         <p:cNvGrpSpPr/>
         <p:nvPr/>
       </p:nvGrpSpPr>
@@ -10301,7 +10183,7 @@
       </p:grpSpPr>
       <p:sp>
         <p:nvSpPr>
-          <p:cNvPr id="121" name="Google Shape;121;p10"/>
+          <p:cNvPr id="122" name="Google Shape;122;p11"/>
           <p:cNvSpPr txBox="1"/>
           <p:nvPr>
             <p:ph type="title"/>
@@ -10346,966 +10228,6 @@
                 <a:cs typeface="Lora"/>
                 <a:sym typeface="Lora"/>
               </a:rPr>
-              <a:t>Tools &amp; Technologies: Versions</a:t>
-            </a:r>
-            <a:endParaRPr>
-              <a:latin typeface="Lora"/>
-              <a:ea typeface="Lora"/>
-              <a:cs typeface="Lora"/>
-              <a:sym typeface="Lora"/>
-            </a:endParaRPr>
-          </a:p>
-          <a:p>
-            <a:pPr indent="0" lvl="0" marL="0" rtl="0" algn="ctr">
-              <a:lnSpc>
-                <a:spcPct val="100000"/>
-              </a:lnSpc>
-              <a:spcBef>
-                <a:spcPts val="0"/>
-              </a:spcBef>
-              <a:spcAft>
-                <a:spcPts val="0"/>
-              </a:spcAft>
-              <a:buSzPct val="111111"/>
-              <a:buNone/>
-            </a:pPr>
-            <a:r>
-              <a:t/>
-            </a:r>
-            <a:endParaRPr>
-              <a:latin typeface="Lora"/>
-              <a:ea typeface="Lora"/>
-              <a:cs typeface="Lora"/>
-              <a:sym typeface="Lora"/>
-            </a:endParaRPr>
-          </a:p>
-        </p:txBody>
-      </p:sp>
-      <p:graphicFrame>
-        <p:nvGraphicFramePr>
-          <p:cNvPr id="122" name="Google Shape;122;p10"/>
-          <p:cNvGraphicFramePr/>
-          <p:nvPr/>
-        </p:nvGraphicFramePr>
-        <p:xfrm>
-          <a:off x="3034563" y="1090950"/>
-          <a:ext cx="3000000" cy="3000000"/>
-        </p:xfrm>
-        <a:graphic>
-          <a:graphicData uri="http://schemas.openxmlformats.org/drawingml/2006/table">
-            <a:tbl>
-              <a:tblPr>
-                <a:noFill/>
-                <a:tableStyleId>{6FBC4A37-B1B2-450A-A95F-50C0DBD04C48}</a:tableStyleId>
-              </a:tblPr>
-              <a:tblGrid>
-                <a:gridCol w="1850425"/>
-                <a:gridCol w="1463225"/>
-              </a:tblGrid>
-              <a:tr h="386325">
-                <a:tc>
-                  <a:txBody>
-                    <a:bodyPr/>
-                    <a:lstStyle/>
-                    <a:p>
-                      <a:pPr indent="0" lvl="0" marL="0" marR="0" rtl="0" algn="l">
-                        <a:lnSpc>
-                          <a:spcPct val="100000"/>
-                        </a:lnSpc>
-                        <a:spcBef>
-                          <a:spcPts val="0"/>
-                        </a:spcBef>
-                        <a:spcAft>
-                          <a:spcPts val="0"/>
-                        </a:spcAft>
-                        <a:buClr>
-                          <a:srgbClr val="000000"/>
-                        </a:buClr>
-                        <a:buSzPts val="1200"/>
-                        <a:buFont typeface="Arial"/>
-                        <a:buNone/>
-                      </a:pPr>
-                      <a:r>
-                        <a:rPr lang="en" sz="1200" u="none" cap="none" strike="noStrike">
-                          <a:latin typeface="Lora Medium"/>
-                          <a:ea typeface="Lora Medium"/>
-                          <a:cs typeface="Lora Medium"/>
-                          <a:sym typeface="Lora Medium"/>
-                        </a:rPr>
-                        <a:t>Tools &amp; Technologies</a:t>
-                      </a:r>
-                      <a:endParaRPr sz="1200" u="none" cap="none" strike="noStrike">
-                        <a:latin typeface="Lora Medium"/>
-                        <a:ea typeface="Lora Medium"/>
-                        <a:cs typeface="Lora Medium"/>
-                        <a:sym typeface="Lora Medium"/>
-                      </a:endParaRPr>
-                    </a:p>
-                  </a:txBody>
-                  <a:tcPr marT="91425" marB="91425" marR="91425" marL="91425">
-                    <a:solidFill>
-                      <a:schemeClr val="lt2"/>
-                    </a:solidFill>
-                  </a:tcPr>
-                </a:tc>
-                <a:tc>
-                  <a:txBody>
-                    <a:bodyPr/>
-                    <a:lstStyle/>
-                    <a:p>
-                      <a:pPr indent="0" lvl="0" marL="0" marR="0" rtl="0" algn="l">
-                        <a:lnSpc>
-                          <a:spcPct val="100000"/>
-                        </a:lnSpc>
-                        <a:spcBef>
-                          <a:spcPts val="0"/>
-                        </a:spcBef>
-                        <a:spcAft>
-                          <a:spcPts val="0"/>
-                        </a:spcAft>
-                        <a:buClr>
-                          <a:srgbClr val="000000"/>
-                        </a:buClr>
-                        <a:buSzPts val="1200"/>
-                        <a:buFont typeface="Arial"/>
-                        <a:buNone/>
-                      </a:pPr>
-                      <a:r>
-                        <a:rPr lang="en" sz="1200" u="none" cap="none" strike="noStrike">
-                          <a:latin typeface="Lora Medium"/>
-                          <a:ea typeface="Lora Medium"/>
-                          <a:cs typeface="Lora Medium"/>
-                          <a:sym typeface="Lora Medium"/>
-                        </a:rPr>
-                        <a:t>Version</a:t>
-                      </a:r>
-                      <a:endParaRPr sz="1200" u="none" cap="none" strike="noStrike">
-                        <a:latin typeface="Lora Medium"/>
-                        <a:ea typeface="Lora Medium"/>
-                        <a:cs typeface="Lora Medium"/>
-                        <a:sym typeface="Lora Medium"/>
-                      </a:endParaRPr>
-                    </a:p>
-                  </a:txBody>
-                  <a:tcPr marT="91425" marB="91425" marR="91425" marL="91425">
-                    <a:solidFill>
-                      <a:schemeClr val="lt2"/>
-                    </a:solidFill>
-                  </a:tcPr>
-                </a:tc>
-              </a:tr>
-              <a:tr h="366975">
-                <a:tc>
-                  <a:txBody>
-                    <a:bodyPr/>
-                    <a:lstStyle/>
-                    <a:p>
-                      <a:pPr indent="0" lvl="0" marL="0" marR="0" rtl="0" algn="l">
-                        <a:lnSpc>
-                          <a:spcPct val="100000"/>
-                        </a:lnSpc>
-                        <a:spcBef>
-                          <a:spcPts val="0"/>
-                        </a:spcBef>
-                        <a:spcAft>
-                          <a:spcPts val="0"/>
-                        </a:spcAft>
-                        <a:buClr>
-                          <a:srgbClr val="000000"/>
-                        </a:buClr>
-                        <a:buSzPts val="1200"/>
-                        <a:buFont typeface="Arial"/>
-                        <a:buNone/>
-                      </a:pPr>
-                      <a:r>
-                        <a:rPr lang="en" sz="1200" u="none" cap="none" strike="noStrike">
-                          <a:latin typeface="Lora Medium"/>
-                          <a:ea typeface="Lora Medium"/>
-                          <a:cs typeface="Lora Medium"/>
-                          <a:sym typeface="Lora Medium"/>
-                        </a:rPr>
-                        <a:t>Python</a:t>
-                      </a:r>
-                      <a:endParaRPr sz="1200" u="none" cap="none" strike="noStrike">
-                        <a:latin typeface="Lora Medium"/>
-                        <a:ea typeface="Lora Medium"/>
-                        <a:cs typeface="Lora Medium"/>
-                        <a:sym typeface="Lora Medium"/>
-                      </a:endParaRPr>
-                    </a:p>
-                  </a:txBody>
-                  <a:tcPr marT="91425" marB="91425" marR="91425" marL="91425">
-                    <a:solidFill>
-                      <a:schemeClr val="lt1"/>
-                    </a:solidFill>
-                  </a:tcPr>
-                </a:tc>
-                <a:tc>
-                  <a:txBody>
-                    <a:bodyPr/>
-                    <a:lstStyle/>
-                    <a:p>
-                      <a:pPr indent="0" lvl="0" marL="0" marR="0" rtl="0" algn="l">
-                        <a:lnSpc>
-                          <a:spcPct val="100000"/>
-                        </a:lnSpc>
-                        <a:spcBef>
-                          <a:spcPts val="0"/>
-                        </a:spcBef>
-                        <a:spcAft>
-                          <a:spcPts val="0"/>
-                        </a:spcAft>
-                        <a:buClr>
-                          <a:srgbClr val="000000"/>
-                        </a:buClr>
-                        <a:buSzPts val="1200"/>
-                        <a:buFont typeface="Arial"/>
-                        <a:buNone/>
-                      </a:pPr>
-                      <a:r>
-                        <a:rPr lang="en" sz="1200" u="none" cap="none" strike="noStrike">
-                          <a:latin typeface="Lora Medium"/>
-                          <a:ea typeface="Lora Medium"/>
-                          <a:cs typeface="Lora Medium"/>
-                          <a:sym typeface="Lora Medium"/>
-                        </a:rPr>
-                        <a:t>3.10.12</a:t>
-                      </a:r>
-                      <a:endParaRPr sz="1200" u="none" cap="none" strike="noStrike">
-                        <a:latin typeface="Lora Medium"/>
-                        <a:ea typeface="Lora Medium"/>
-                        <a:cs typeface="Lora Medium"/>
-                        <a:sym typeface="Lora Medium"/>
-                      </a:endParaRPr>
-                    </a:p>
-                  </a:txBody>
-                  <a:tcPr marT="91425" marB="91425" marR="91425" marL="91425">
-                    <a:solidFill>
-                      <a:schemeClr val="lt1"/>
-                    </a:solidFill>
-                  </a:tcPr>
-                </a:tc>
-              </a:tr>
-              <a:tr h="366975">
-                <a:tc>
-                  <a:txBody>
-                    <a:bodyPr/>
-                    <a:lstStyle/>
-                    <a:p>
-                      <a:pPr indent="0" lvl="0" marL="0" marR="0" rtl="0" algn="l">
-                        <a:lnSpc>
-                          <a:spcPct val="100000"/>
-                        </a:lnSpc>
-                        <a:spcBef>
-                          <a:spcPts val="0"/>
-                        </a:spcBef>
-                        <a:spcAft>
-                          <a:spcPts val="0"/>
-                        </a:spcAft>
-                        <a:buClr>
-                          <a:srgbClr val="000000"/>
-                        </a:buClr>
-                        <a:buSzPts val="1200"/>
-                        <a:buFont typeface="Arial"/>
-                        <a:buNone/>
-                      </a:pPr>
-                      <a:r>
-                        <a:rPr lang="en" sz="1200" u="none" cap="none" strike="noStrike">
-                          <a:latin typeface="Lora Medium"/>
-                          <a:ea typeface="Lora Medium"/>
-                          <a:cs typeface="Lora Medium"/>
-                          <a:sym typeface="Lora Medium"/>
-                        </a:rPr>
-                        <a:t>Tensorflow</a:t>
-                      </a:r>
-                      <a:endParaRPr sz="1200" u="none" cap="none" strike="noStrike">
-                        <a:latin typeface="Lora Medium"/>
-                        <a:ea typeface="Lora Medium"/>
-                        <a:cs typeface="Lora Medium"/>
-                        <a:sym typeface="Lora Medium"/>
-                      </a:endParaRPr>
-                    </a:p>
-                  </a:txBody>
-                  <a:tcPr marT="91425" marB="91425" marR="91425" marL="91425">
-                    <a:solidFill>
-                      <a:schemeClr val="lt1"/>
-                    </a:solidFill>
-                  </a:tcPr>
-                </a:tc>
-                <a:tc>
-                  <a:txBody>
-                    <a:bodyPr/>
-                    <a:lstStyle/>
-                    <a:p>
-                      <a:pPr indent="0" lvl="0" marL="0" marR="0" rtl="0" algn="l">
-                        <a:lnSpc>
-                          <a:spcPct val="100000"/>
-                        </a:lnSpc>
-                        <a:spcBef>
-                          <a:spcPts val="0"/>
-                        </a:spcBef>
-                        <a:spcAft>
-                          <a:spcPts val="0"/>
-                        </a:spcAft>
-                        <a:buClr>
-                          <a:srgbClr val="000000"/>
-                        </a:buClr>
-                        <a:buSzPts val="1200"/>
-                        <a:buFont typeface="Arial"/>
-                        <a:buNone/>
-                      </a:pPr>
-                      <a:r>
-                        <a:rPr lang="en" sz="1200" u="none" cap="none" strike="noStrike">
-                          <a:latin typeface="Lora Medium"/>
-                          <a:ea typeface="Lora Medium"/>
-                          <a:cs typeface="Lora Medium"/>
-                          <a:sym typeface="Lora Medium"/>
-                        </a:rPr>
-                        <a:t>2.14.0</a:t>
-                      </a:r>
-                      <a:endParaRPr sz="1200" u="none" cap="none" strike="noStrike">
-                        <a:latin typeface="Lora Medium"/>
-                        <a:ea typeface="Lora Medium"/>
-                        <a:cs typeface="Lora Medium"/>
-                        <a:sym typeface="Lora Medium"/>
-                      </a:endParaRPr>
-                    </a:p>
-                  </a:txBody>
-                  <a:tcPr marT="91425" marB="91425" marR="91425" marL="91425">
-                    <a:solidFill>
-                      <a:schemeClr val="lt1"/>
-                    </a:solidFill>
-                  </a:tcPr>
-                </a:tc>
-              </a:tr>
-              <a:tr h="366975">
-                <a:tc>
-                  <a:txBody>
-                    <a:bodyPr/>
-                    <a:lstStyle/>
-                    <a:p>
-                      <a:pPr indent="0" lvl="0" marL="0" marR="0" rtl="0" algn="l">
-                        <a:lnSpc>
-                          <a:spcPct val="100000"/>
-                        </a:lnSpc>
-                        <a:spcBef>
-                          <a:spcPts val="0"/>
-                        </a:spcBef>
-                        <a:spcAft>
-                          <a:spcPts val="0"/>
-                        </a:spcAft>
-                        <a:buClr>
-                          <a:srgbClr val="000000"/>
-                        </a:buClr>
-                        <a:buSzPts val="1200"/>
-                        <a:buFont typeface="Arial"/>
-                        <a:buNone/>
-                      </a:pPr>
-                      <a:r>
-                        <a:rPr lang="en" sz="1200" u="none" cap="none" strike="noStrike">
-                          <a:latin typeface="Lora Medium"/>
-                          <a:ea typeface="Lora Medium"/>
-                          <a:cs typeface="Lora Medium"/>
-                          <a:sym typeface="Lora Medium"/>
-                        </a:rPr>
-                        <a:t>Keras</a:t>
-                      </a:r>
-                      <a:endParaRPr sz="1200" u="none" cap="none" strike="noStrike">
-                        <a:latin typeface="Lora Medium"/>
-                        <a:ea typeface="Lora Medium"/>
-                        <a:cs typeface="Lora Medium"/>
-                        <a:sym typeface="Lora Medium"/>
-                      </a:endParaRPr>
-                    </a:p>
-                  </a:txBody>
-                  <a:tcPr marT="91425" marB="91425" marR="91425" marL="91425">
-                    <a:solidFill>
-                      <a:schemeClr val="lt1"/>
-                    </a:solidFill>
-                  </a:tcPr>
-                </a:tc>
-                <a:tc>
-                  <a:txBody>
-                    <a:bodyPr/>
-                    <a:lstStyle/>
-                    <a:p>
-                      <a:pPr indent="0" lvl="0" marL="0" marR="0" rtl="0" algn="l">
-                        <a:lnSpc>
-                          <a:spcPct val="100000"/>
-                        </a:lnSpc>
-                        <a:spcBef>
-                          <a:spcPts val="0"/>
-                        </a:spcBef>
-                        <a:spcAft>
-                          <a:spcPts val="0"/>
-                        </a:spcAft>
-                        <a:buClr>
-                          <a:srgbClr val="000000"/>
-                        </a:buClr>
-                        <a:buSzPts val="1200"/>
-                        <a:buFont typeface="Arial"/>
-                        <a:buNone/>
-                      </a:pPr>
-                      <a:r>
-                        <a:rPr lang="en" sz="1200" u="none" cap="none" strike="noStrike">
-                          <a:latin typeface="Lora Medium"/>
-                          <a:ea typeface="Lora Medium"/>
-                          <a:cs typeface="Lora Medium"/>
-                          <a:sym typeface="Lora Medium"/>
-                        </a:rPr>
-                        <a:t>2.14.0</a:t>
-                      </a:r>
-                      <a:endParaRPr sz="1200" u="none" cap="none" strike="noStrike">
-                        <a:latin typeface="Lora Medium"/>
-                        <a:ea typeface="Lora Medium"/>
-                        <a:cs typeface="Lora Medium"/>
-                        <a:sym typeface="Lora Medium"/>
-                      </a:endParaRPr>
-                    </a:p>
-                  </a:txBody>
-                  <a:tcPr marT="91425" marB="91425" marR="91425" marL="91425">
-                    <a:solidFill>
-                      <a:schemeClr val="lt1"/>
-                    </a:solidFill>
-                  </a:tcPr>
-                </a:tc>
-              </a:tr>
-              <a:tr h="366975">
-                <a:tc>
-                  <a:txBody>
-                    <a:bodyPr/>
-                    <a:lstStyle/>
-                    <a:p>
-                      <a:pPr indent="0" lvl="0" marL="0" marR="0" rtl="0" algn="l">
-                        <a:lnSpc>
-                          <a:spcPct val="100000"/>
-                        </a:lnSpc>
-                        <a:spcBef>
-                          <a:spcPts val="0"/>
-                        </a:spcBef>
-                        <a:spcAft>
-                          <a:spcPts val="0"/>
-                        </a:spcAft>
-                        <a:buClr>
-                          <a:srgbClr val="000000"/>
-                        </a:buClr>
-                        <a:buSzPts val="1200"/>
-                        <a:buFont typeface="Arial"/>
-                        <a:buNone/>
-                      </a:pPr>
-                      <a:r>
-                        <a:rPr lang="en" sz="1200" u="none" cap="none" strike="noStrike">
-                          <a:latin typeface="Lora Medium"/>
-                          <a:ea typeface="Lora Medium"/>
-                          <a:cs typeface="Lora Medium"/>
-                          <a:sym typeface="Lora Medium"/>
-                        </a:rPr>
-                        <a:t>Numpy</a:t>
-                      </a:r>
-                      <a:endParaRPr sz="1200" u="none" cap="none" strike="noStrike">
-                        <a:latin typeface="Lora Medium"/>
-                        <a:ea typeface="Lora Medium"/>
-                        <a:cs typeface="Lora Medium"/>
-                        <a:sym typeface="Lora Medium"/>
-                      </a:endParaRPr>
-                    </a:p>
-                  </a:txBody>
-                  <a:tcPr marT="91425" marB="91425" marR="91425" marL="91425">
-                    <a:solidFill>
-                      <a:schemeClr val="lt1"/>
-                    </a:solidFill>
-                  </a:tcPr>
-                </a:tc>
-                <a:tc>
-                  <a:txBody>
-                    <a:bodyPr/>
-                    <a:lstStyle/>
-                    <a:p>
-                      <a:pPr indent="0" lvl="0" marL="0" marR="0" rtl="0" algn="l">
-                        <a:lnSpc>
-                          <a:spcPct val="100000"/>
-                        </a:lnSpc>
-                        <a:spcBef>
-                          <a:spcPts val="0"/>
-                        </a:spcBef>
-                        <a:spcAft>
-                          <a:spcPts val="0"/>
-                        </a:spcAft>
-                        <a:buClr>
-                          <a:srgbClr val="000000"/>
-                        </a:buClr>
-                        <a:buSzPts val="1200"/>
-                        <a:buFont typeface="Arial"/>
-                        <a:buNone/>
-                      </a:pPr>
-                      <a:r>
-                        <a:rPr lang="en" sz="1200" u="none" cap="none" strike="noStrike">
-                          <a:latin typeface="Lora Medium"/>
-                          <a:ea typeface="Lora Medium"/>
-                          <a:cs typeface="Lora Medium"/>
-                          <a:sym typeface="Lora Medium"/>
-                        </a:rPr>
-                        <a:t>1.23.5</a:t>
-                      </a:r>
-                      <a:endParaRPr sz="1200" u="none" cap="none" strike="noStrike">
-                        <a:latin typeface="Lora Medium"/>
-                        <a:ea typeface="Lora Medium"/>
-                        <a:cs typeface="Lora Medium"/>
-                        <a:sym typeface="Lora Medium"/>
-                      </a:endParaRPr>
-                    </a:p>
-                  </a:txBody>
-                  <a:tcPr marT="91425" marB="91425" marR="91425" marL="91425">
-                    <a:solidFill>
-                      <a:schemeClr val="lt1"/>
-                    </a:solidFill>
-                  </a:tcPr>
-                </a:tc>
-              </a:tr>
-              <a:tr h="366975">
-                <a:tc>
-                  <a:txBody>
-                    <a:bodyPr/>
-                    <a:lstStyle/>
-                    <a:p>
-                      <a:pPr indent="0" lvl="0" marL="0" marR="0" rtl="0" algn="l">
-                        <a:lnSpc>
-                          <a:spcPct val="100000"/>
-                        </a:lnSpc>
-                        <a:spcBef>
-                          <a:spcPts val="0"/>
-                        </a:spcBef>
-                        <a:spcAft>
-                          <a:spcPts val="0"/>
-                        </a:spcAft>
-                        <a:buClr>
-                          <a:srgbClr val="000000"/>
-                        </a:buClr>
-                        <a:buSzPts val="1200"/>
-                        <a:buFont typeface="Arial"/>
-                        <a:buNone/>
-                      </a:pPr>
-                      <a:r>
-                        <a:rPr lang="en" sz="1200" u="none" cap="none" strike="noStrike">
-                          <a:latin typeface="Lora Medium"/>
-                          <a:ea typeface="Lora Medium"/>
-                          <a:cs typeface="Lora Medium"/>
-                          <a:sym typeface="Lora Medium"/>
-                        </a:rPr>
-                        <a:t>Matplotlib</a:t>
-                      </a:r>
-                      <a:endParaRPr sz="1200" u="none" cap="none" strike="noStrike">
-                        <a:latin typeface="Lora Medium"/>
-                        <a:ea typeface="Lora Medium"/>
-                        <a:cs typeface="Lora Medium"/>
-                        <a:sym typeface="Lora Medium"/>
-                      </a:endParaRPr>
-                    </a:p>
-                  </a:txBody>
-                  <a:tcPr marT="91425" marB="91425" marR="91425" marL="91425">
-                    <a:solidFill>
-                      <a:schemeClr val="lt1"/>
-                    </a:solidFill>
-                  </a:tcPr>
-                </a:tc>
-                <a:tc>
-                  <a:txBody>
-                    <a:bodyPr/>
-                    <a:lstStyle/>
-                    <a:p>
-                      <a:pPr indent="0" lvl="0" marL="0" marR="0" rtl="0" algn="l">
-                        <a:lnSpc>
-                          <a:spcPct val="100000"/>
-                        </a:lnSpc>
-                        <a:spcBef>
-                          <a:spcPts val="0"/>
-                        </a:spcBef>
-                        <a:spcAft>
-                          <a:spcPts val="0"/>
-                        </a:spcAft>
-                        <a:buClr>
-                          <a:srgbClr val="000000"/>
-                        </a:buClr>
-                        <a:buSzPts val="1200"/>
-                        <a:buFont typeface="Arial"/>
-                        <a:buNone/>
-                      </a:pPr>
-                      <a:r>
-                        <a:rPr lang="en" sz="1200" u="none" cap="none" strike="noStrike">
-                          <a:latin typeface="Lora Medium"/>
-                          <a:ea typeface="Lora Medium"/>
-                          <a:cs typeface="Lora Medium"/>
-                          <a:sym typeface="Lora Medium"/>
-                        </a:rPr>
-                        <a:t>3.7.1</a:t>
-                      </a:r>
-                      <a:endParaRPr sz="1200" u="none" cap="none" strike="noStrike">
-                        <a:latin typeface="Lora Medium"/>
-                        <a:ea typeface="Lora Medium"/>
-                        <a:cs typeface="Lora Medium"/>
-                        <a:sym typeface="Lora Medium"/>
-                      </a:endParaRPr>
-                    </a:p>
-                  </a:txBody>
-                  <a:tcPr marT="91425" marB="91425" marR="91425" marL="91425">
-                    <a:solidFill>
-                      <a:schemeClr val="lt1"/>
-                    </a:solidFill>
-                  </a:tcPr>
-                </a:tc>
-              </a:tr>
-              <a:tr h="366975">
-                <a:tc>
-                  <a:txBody>
-                    <a:bodyPr/>
-                    <a:lstStyle/>
-                    <a:p>
-                      <a:pPr indent="0" lvl="0" marL="0" marR="0" rtl="0" algn="l">
-                        <a:lnSpc>
-                          <a:spcPct val="100000"/>
-                        </a:lnSpc>
-                        <a:spcBef>
-                          <a:spcPts val="0"/>
-                        </a:spcBef>
-                        <a:spcAft>
-                          <a:spcPts val="0"/>
-                        </a:spcAft>
-                        <a:buClr>
-                          <a:srgbClr val="000000"/>
-                        </a:buClr>
-                        <a:buSzPts val="1200"/>
-                        <a:buFont typeface="Arial"/>
-                        <a:buNone/>
-                      </a:pPr>
-                      <a:r>
-                        <a:rPr lang="en" sz="1200" u="none" cap="none" strike="noStrike">
-                          <a:latin typeface="Lora Medium"/>
-                          <a:ea typeface="Lora Medium"/>
-                          <a:cs typeface="Lora Medium"/>
-                          <a:sym typeface="Lora Medium"/>
-                        </a:rPr>
-                        <a:t>HDF5</a:t>
-                      </a:r>
-                      <a:endParaRPr sz="1200" u="none" cap="none" strike="noStrike">
-                        <a:latin typeface="Lora Medium"/>
-                        <a:ea typeface="Lora Medium"/>
-                        <a:cs typeface="Lora Medium"/>
-                        <a:sym typeface="Lora Medium"/>
-                      </a:endParaRPr>
-                    </a:p>
-                  </a:txBody>
-                  <a:tcPr marT="91425" marB="91425" marR="91425" marL="91425">
-                    <a:solidFill>
-                      <a:schemeClr val="lt1"/>
-                    </a:solidFill>
-                  </a:tcPr>
-                </a:tc>
-                <a:tc>
-                  <a:txBody>
-                    <a:bodyPr/>
-                    <a:lstStyle/>
-                    <a:p>
-                      <a:pPr indent="0" lvl="0" marL="0" marR="0" rtl="0" algn="l">
-                        <a:lnSpc>
-                          <a:spcPct val="100000"/>
-                        </a:lnSpc>
-                        <a:spcBef>
-                          <a:spcPts val="0"/>
-                        </a:spcBef>
-                        <a:spcAft>
-                          <a:spcPts val="0"/>
-                        </a:spcAft>
-                        <a:buClr>
-                          <a:srgbClr val="000000"/>
-                        </a:buClr>
-                        <a:buSzPts val="1200"/>
-                        <a:buFont typeface="Arial"/>
-                        <a:buNone/>
-                      </a:pPr>
-                      <a:r>
-                        <a:rPr lang="en" sz="1200" u="none" cap="none" strike="noStrike">
-                          <a:latin typeface="Lora Medium"/>
-                          <a:ea typeface="Lora Medium"/>
-                          <a:cs typeface="Lora Medium"/>
-                          <a:sym typeface="Lora Medium"/>
-                        </a:rPr>
-                        <a:t>3.9.0</a:t>
-                      </a:r>
-                      <a:endParaRPr sz="1200" u="none" cap="none" strike="noStrike">
-                        <a:latin typeface="Lora Medium"/>
-                        <a:ea typeface="Lora Medium"/>
-                        <a:cs typeface="Lora Medium"/>
-                        <a:sym typeface="Lora Medium"/>
-                      </a:endParaRPr>
-                    </a:p>
-                  </a:txBody>
-                  <a:tcPr marT="91425" marB="91425" marR="91425" marL="91425">
-                    <a:solidFill>
-                      <a:schemeClr val="lt1"/>
-                    </a:solidFill>
-                  </a:tcPr>
-                </a:tc>
-              </a:tr>
-              <a:tr h="373425">
-                <a:tc>
-                  <a:txBody>
-                    <a:bodyPr/>
-                    <a:lstStyle/>
-                    <a:p>
-                      <a:pPr indent="0" lvl="0" marL="0" marR="0" rtl="0" algn="l">
-                        <a:lnSpc>
-                          <a:spcPct val="100000"/>
-                        </a:lnSpc>
-                        <a:spcBef>
-                          <a:spcPts val="0"/>
-                        </a:spcBef>
-                        <a:spcAft>
-                          <a:spcPts val="0"/>
-                        </a:spcAft>
-                        <a:buClr>
-                          <a:srgbClr val="000000"/>
-                        </a:buClr>
-                        <a:buSzPts val="1200"/>
-                        <a:buFont typeface="Arial"/>
-                        <a:buNone/>
-                      </a:pPr>
-                      <a:r>
-                        <a:rPr lang="en" sz="1200" u="none" cap="none" strike="noStrike">
-                          <a:latin typeface="Lora Medium"/>
-                          <a:ea typeface="Lora Medium"/>
-                          <a:cs typeface="Lora Medium"/>
-                          <a:sym typeface="Lora Medium"/>
-                        </a:rPr>
-                        <a:t>Scikit-learn</a:t>
-                      </a:r>
-                      <a:endParaRPr sz="1200" u="none" cap="none" strike="noStrike">
-                        <a:latin typeface="Lora Medium"/>
-                        <a:ea typeface="Lora Medium"/>
-                        <a:cs typeface="Lora Medium"/>
-                        <a:sym typeface="Lora Medium"/>
-                      </a:endParaRPr>
-                    </a:p>
-                  </a:txBody>
-                  <a:tcPr marT="91425" marB="91425" marR="91425" marL="91425">
-                    <a:solidFill>
-                      <a:schemeClr val="lt1"/>
-                    </a:solidFill>
-                  </a:tcPr>
-                </a:tc>
-                <a:tc>
-                  <a:txBody>
-                    <a:bodyPr/>
-                    <a:lstStyle/>
-                    <a:p>
-                      <a:pPr indent="0" lvl="0" marL="0" marR="0" rtl="0" algn="l">
-                        <a:lnSpc>
-                          <a:spcPct val="100000"/>
-                        </a:lnSpc>
-                        <a:spcBef>
-                          <a:spcPts val="0"/>
-                        </a:spcBef>
-                        <a:spcAft>
-                          <a:spcPts val="0"/>
-                        </a:spcAft>
-                        <a:buClr>
-                          <a:srgbClr val="000000"/>
-                        </a:buClr>
-                        <a:buSzPts val="1200"/>
-                        <a:buFont typeface="Arial"/>
-                        <a:buNone/>
-                      </a:pPr>
-                      <a:r>
-                        <a:rPr lang="en" sz="1200" u="none" cap="none" strike="noStrike">
-                          <a:latin typeface="Lora Medium"/>
-                          <a:ea typeface="Lora Medium"/>
-                          <a:cs typeface="Lora Medium"/>
-                          <a:sym typeface="Lora Medium"/>
-                        </a:rPr>
-                        <a:t>1.2.2</a:t>
-                      </a:r>
-                      <a:endParaRPr sz="1200" u="none" cap="none" strike="noStrike">
-                        <a:latin typeface="Lora Medium"/>
-                        <a:ea typeface="Lora Medium"/>
-                        <a:cs typeface="Lora Medium"/>
-                        <a:sym typeface="Lora Medium"/>
-                      </a:endParaRPr>
-                    </a:p>
-                  </a:txBody>
-                  <a:tcPr marT="91425" marB="91425" marR="91425" marL="91425">
-                    <a:solidFill>
-                      <a:schemeClr val="lt1"/>
-                    </a:solidFill>
-                  </a:tcPr>
-                </a:tc>
-              </a:tr>
-              <a:tr h="373425">
-                <a:tc>
-                  <a:txBody>
-                    <a:bodyPr/>
-                    <a:lstStyle/>
-                    <a:p>
-                      <a:pPr indent="0" lvl="0" marL="0" marR="0" rtl="0" algn="l">
-                        <a:lnSpc>
-                          <a:spcPct val="100000"/>
-                        </a:lnSpc>
-                        <a:spcBef>
-                          <a:spcPts val="0"/>
-                        </a:spcBef>
-                        <a:spcAft>
-                          <a:spcPts val="0"/>
-                        </a:spcAft>
-                        <a:buClr>
-                          <a:srgbClr val="000000"/>
-                        </a:buClr>
-                        <a:buSzPts val="1200"/>
-                        <a:buFont typeface="Arial"/>
-                        <a:buNone/>
-                      </a:pPr>
-                      <a:r>
-                        <a:rPr lang="en" sz="1200" u="none" cap="none" strike="noStrike">
-                          <a:latin typeface="Lora Medium"/>
-                          <a:ea typeface="Lora Medium"/>
-                          <a:cs typeface="Lora Medium"/>
-                          <a:sym typeface="Lora Medium"/>
-                        </a:rPr>
-                        <a:t>GPU</a:t>
-                      </a:r>
-                      <a:endParaRPr sz="1200" u="none" cap="none" strike="noStrike">
-                        <a:latin typeface="Lora Medium"/>
-                        <a:ea typeface="Lora Medium"/>
-                        <a:cs typeface="Lora Medium"/>
-                        <a:sym typeface="Lora Medium"/>
-                      </a:endParaRPr>
-                    </a:p>
-                  </a:txBody>
-                  <a:tcPr marT="91425" marB="91425" marR="91425" marL="91425">
-                    <a:solidFill>
-                      <a:schemeClr val="lt1"/>
-                    </a:solidFill>
-                  </a:tcPr>
-                </a:tc>
-                <a:tc>
-                  <a:txBody>
-                    <a:bodyPr/>
-                    <a:lstStyle/>
-                    <a:p>
-                      <a:pPr indent="0" lvl="0" marL="0" marR="0" rtl="0" algn="l">
-                        <a:lnSpc>
-                          <a:spcPct val="100000"/>
-                        </a:lnSpc>
-                        <a:spcBef>
-                          <a:spcPts val="0"/>
-                        </a:spcBef>
-                        <a:spcAft>
-                          <a:spcPts val="0"/>
-                        </a:spcAft>
-                        <a:buClr>
-                          <a:srgbClr val="000000"/>
-                        </a:buClr>
-                        <a:buSzPts val="1200"/>
-                        <a:buFont typeface="Arial"/>
-                        <a:buNone/>
-                      </a:pPr>
-                      <a:r>
-                        <a:rPr lang="en" sz="1200" u="none" cap="none" strike="noStrike">
-                          <a:latin typeface="Lora Medium"/>
-                          <a:ea typeface="Lora Medium"/>
-                          <a:cs typeface="Lora Medium"/>
-                          <a:sym typeface="Lora Medium"/>
-                        </a:rPr>
-                        <a:t>Nvidia Tesla V100</a:t>
-                      </a:r>
-                      <a:endParaRPr sz="1200" u="none" cap="none" strike="noStrike">
-                        <a:latin typeface="Lora Medium"/>
-                        <a:ea typeface="Lora Medium"/>
-                        <a:cs typeface="Lora Medium"/>
-                        <a:sym typeface="Lora Medium"/>
-                      </a:endParaRPr>
-                    </a:p>
-                  </a:txBody>
-                  <a:tcPr marT="91425" marB="91425" marR="91425" marL="91425">
-                    <a:solidFill>
-                      <a:schemeClr val="lt1"/>
-                    </a:solidFill>
-                  </a:tcPr>
-                </a:tc>
-              </a:tr>
-            </a:tbl>
-          </a:graphicData>
-        </a:graphic>
-      </p:graphicFrame>
-    </p:spTree>
-  </p:cSld>
-  <p:clrMapOvr>
-    <a:masterClrMapping/>
-  </p:clrMapOvr>
-</p:sld>
-</file>
-
-<file path=ppt/slides/slide11.xml><?xml version="1.0" encoding="utf-8"?>
-<p:sld xmlns:a="http://schemas.openxmlformats.org/drawingml/2006/main" xmlns:r="http://schemas.openxmlformats.org/officeDocument/2006/relationships" xmlns:mc="http://schemas.openxmlformats.org/markup-compatibility/2006" xmlns:mv="urn:schemas-microsoft-com:mac:vml" xmlns:p="http://schemas.openxmlformats.org/presentationml/2006/main" xmlns:c="http://schemas.openxmlformats.org/drawingml/2006/chart" xmlns:dgm="http://schemas.openxmlformats.org/drawingml/2006/diagram" xmlns:o="urn:schemas-microsoft-com:office:office" xmlns:v="urn:schemas-microsoft-com:vml" xmlns:pvml="urn:schemas-microsoft-com:office:powerpoint" xmlns:com="http://schemas.openxmlformats.org/drawingml/2006/compatibility" xmlns:p14="http://schemas.microsoft.com/office/powerpoint/2010/main" xmlns:p15="http://schemas.microsoft.com/office/powerpoint/2012/main" xmlns:ahyp="http://schemas.microsoft.com/office/drawing/2018/hyperlinkcolor">
-  <p:cSld>
-    <p:spTree>
-      <p:nvGrpSpPr>
-        <p:cNvPr id="126" name="Shape 126"/>
-        <p:cNvGrpSpPr/>
-        <p:nvPr/>
-      </p:nvGrpSpPr>
-      <p:grpSpPr>
-        <a:xfrm>
-          <a:off x="0" y="0"/>
-          <a:ext cx="0" cy="0"/>
-          <a:chOff x="0" y="0"/>
-          <a:chExt cx="0" cy="0"/>
-        </a:xfrm>
-      </p:grpSpPr>
-      <p:sp>
-        <p:nvSpPr>
-          <p:cNvPr id="127" name="Google Shape;127;p11"/>
-          <p:cNvSpPr txBox="1"/>
-          <p:nvPr>
-            <p:ph type="title"/>
-          </p:nvPr>
-        </p:nvSpPr>
-        <p:spPr>
-          <a:xfrm>
-            <a:off x="311700" y="445025"/>
-            <a:ext cx="8520600" cy="572700"/>
-          </a:xfrm>
-          <a:prstGeom prst="rect">
-            <a:avLst/>
-          </a:prstGeom>
-          <a:noFill/>
-          <a:ln>
-            <a:noFill/>
-          </a:ln>
-        </p:spPr>
-        <p:txBody>
-          <a:bodyPr anchorCtr="0" anchor="t" bIns="91425" lIns="91425" spcFirstLastPara="1" rIns="91425" wrap="square" tIns="91425">
-            <a:normAutofit fontScale="90000"/>
-          </a:bodyPr>
-          <a:lstStyle/>
-          <a:p>
-            <a:pPr indent="0" lvl="0" marL="0" rtl="0" algn="ctr">
-              <a:lnSpc>
-                <a:spcPct val="100000"/>
-              </a:lnSpc>
-              <a:spcBef>
-                <a:spcPts val="0"/>
-              </a:spcBef>
-              <a:spcAft>
-                <a:spcPts val="0"/>
-              </a:spcAft>
-              <a:buSzPct val="111111"/>
-              <a:buNone/>
-            </a:pPr>
-            <a:r>
-              <a:rPr lang="en">
-                <a:latin typeface="Lora"/>
-                <a:ea typeface="Lora"/>
-                <a:cs typeface="Lora"/>
-                <a:sym typeface="Lora"/>
-              </a:rPr>
               <a:t>Experiments</a:t>
             </a:r>
             <a:endParaRPr>
@@ -11319,7 +10241,7 @@
       </p:sp>
       <p:graphicFrame>
         <p:nvGraphicFramePr>
-          <p:cNvPr id="128" name="Google Shape;128;p11"/>
+          <p:cNvPr id="123" name="Google Shape;123;p11"/>
           <p:cNvGraphicFramePr/>
           <p:nvPr/>
         </p:nvGraphicFramePr>
@@ -11332,7 +10254,7 @@
             <a:tbl>
               <a:tblPr>
                 <a:noFill/>
-                <a:tableStyleId>{6FBC4A37-B1B2-450A-A95F-50C0DBD04C48}</a:tableStyleId>
+                <a:tableStyleId>{557D6326-2FC7-4AF0-93A4-37D20C0A21E1}</a:tableStyleId>
               </a:tblPr>
               <a:tblGrid>
                 <a:gridCol w="1131575"/>
@@ -12210,12 +11132,12 @@
 </p:sld>
 </file>
 
-<file path=ppt/slides/slide12.xml><?xml version="1.0" encoding="utf-8"?>
+<file path=ppt/slides/slide11.xml><?xml version="1.0" encoding="utf-8"?>
 <p:sld xmlns:a="http://schemas.openxmlformats.org/drawingml/2006/main" xmlns:r="http://schemas.openxmlformats.org/officeDocument/2006/relationships" xmlns:mc="http://schemas.openxmlformats.org/markup-compatibility/2006" xmlns:mv="urn:schemas-microsoft-com:mac:vml" xmlns:p="http://schemas.openxmlformats.org/presentationml/2006/main" xmlns:c="http://schemas.openxmlformats.org/drawingml/2006/chart" xmlns:dgm="http://schemas.openxmlformats.org/drawingml/2006/diagram" xmlns:o="urn:schemas-microsoft-com:office:office" xmlns:v="urn:schemas-microsoft-com:vml" xmlns:pvml="urn:schemas-microsoft-com:office:powerpoint" xmlns:com="http://schemas.openxmlformats.org/drawingml/2006/compatibility" xmlns:p14="http://schemas.microsoft.com/office/powerpoint/2010/main" xmlns:p15="http://schemas.microsoft.com/office/powerpoint/2012/main" xmlns:ahyp="http://schemas.microsoft.com/office/drawing/2018/hyperlinkcolor">
   <p:cSld>
     <p:spTree>
       <p:nvGrpSpPr>
-        <p:cNvPr id="132" name="Shape 132"/>
+        <p:cNvPr id="127" name="Shape 127"/>
         <p:cNvGrpSpPr/>
         <p:nvPr/>
       </p:nvGrpSpPr>
@@ -12229,7 +11151,7 @@
       </p:grpSpPr>
       <p:sp>
         <p:nvSpPr>
-          <p:cNvPr id="133" name="Google Shape;133;p12"/>
+          <p:cNvPr id="128" name="Google Shape;128;p12"/>
           <p:cNvSpPr txBox="1"/>
           <p:nvPr>
             <p:ph type="title"/>
@@ -12287,7 +11209,7 @@
       </p:sp>
       <p:pic>
         <p:nvPicPr>
-          <p:cNvPr id="134" name="Google Shape;134;p12"/>
+          <p:cNvPr id="129" name="Google Shape;129;p12"/>
           <p:cNvPicPr preferRelativeResize="0"/>
           <p:nvPr/>
         </p:nvPicPr>
@@ -12314,7 +11236,7 @@
       </p:pic>
       <p:pic>
         <p:nvPicPr>
-          <p:cNvPr id="135" name="Google Shape;135;p12"/>
+          <p:cNvPr id="130" name="Google Shape;130;p12"/>
           <p:cNvPicPr preferRelativeResize="0"/>
           <p:nvPr/>
         </p:nvPicPr>
@@ -12341,7 +11263,7 @@
       </p:pic>
       <p:sp>
         <p:nvSpPr>
-          <p:cNvPr id="136" name="Google Shape;136;p12"/>
+          <p:cNvPr id="131" name="Google Shape;131;p12"/>
           <p:cNvSpPr txBox="1"/>
           <p:nvPr/>
         </p:nvSpPr>
@@ -12407,7 +11329,7 @@
       </p:sp>
       <p:pic>
         <p:nvPicPr>
-          <p:cNvPr id="137" name="Google Shape;137;p12"/>
+          <p:cNvPr id="132" name="Google Shape;132;p12"/>
           <p:cNvPicPr preferRelativeResize="0"/>
           <p:nvPr/>
         </p:nvPicPr>
@@ -12434,7 +11356,7 @@
       </p:pic>
       <p:pic>
         <p:nvPicPr>
-          <p:cNvPr id="138" name="Google Shape;138;p12"/>
+          <p:cNvPr id="133" name="Google Shape;133;p12"/>
           <p:cNvPicPr preferRelativeResize="0"/>
           <p:nvPr/>
         </p:nvPicPr>
@@ -12461,7 +11383,7 @@
       </p:pic>
       <p:sp>
         <p:nvSpPr>
-          <p:cNvPr id="139" name="Google Shape;139;p12"/>
+          <p:cNvPr id="134" name="Google Shape;134;p12"/>
           <p:cNvSpPr txBox="1"/>
           <p:nvPr/>
         </p:nvSpPr>
@@ -12527,7 +11449,7 @@
       </p:sp>
       <p:pic>
         <p:nvPicPr>
-          <p:cNvPr id="140" name="Google Shape;140;p12"/>
+          <p:cNvPr id="135" name="Google Shape;135;p12"/>
           <p:cNvPicPr preferRelativeResize="0"/>
           <p:nvPr/>
         </p:nvPicPr>
@@ -12554,7 +11476,7 @@
       </p:pic>
       <p:pic>
         <p:nvPicPr>
-          <p:cNvPr id="141" name="Google Shape;141;p12"/>
+          <p:cNvPr id="136" name="Google Shape;136;p12"/>
           <p:cNvPicPr preferRelativeResize="0"/>
           <p:nvPr/>
         </p:nvPicPr>
@@ -12581,7 +11503,7 @@
       </p:pic>
       <p:sp>
         <p:nvSpPr>
-          <p:cNvPr id="142" name="Google Shape;142;p12"/>
+          <p:cNvPr id="137" name="Google Shape;137;p12"/>
           <p:cNvSpPr txBox="1"/>
           <p:nvPr/>
         </p:nvSpPr>
@@ -12653,12 +11575,12 @@
 </p:sld>
 </file>
 
-<file path=ppt/slides/slide13.xml><?xml version="1.0" encoding="utf-8"?>
+<file path=ppt/slides/slide12.xml><?xml version="1.0" encoding="utf-8"?>
 <p:sld xmlns:a="http://schemas.openxmlformats.org/drawingml/2006/main" xmlns:r="http://schemas.openxmlformats.org/officeDocument/2006/relationships" xmlns:mc="http://schemas.openxmlformats.org/markup-compatibility/2006" xmlns:mv="urn:schemas-microsoft-com:mac:vml" xmlns:p="http://schemas.openxmlformats.org/presentationml/2006/main" xmlns:c="http://schemas.openxmlformats.org/drawingml/2006/chart" xmlns:dgm="http://schemas.openxmlformats.org/drawingml/2006/diagram" xmlns:o="urn:schemas-microsoft-com:office:office" xmlns:v="urn:schemas-microsoft-com:vml" xmlns:pvml="urn:schemas-microsoft-com:office:powerpoint" xmlns:com="http://schemas.openxmlformats.org/drawingml/2006/compatibility" xmlns:p14="http://schemas.microsoft.com/office/powerpoint/2010/main" xmlns:p15="http://schemas.microsoft.com/office/powerpoint/2012/main" xmlns:ahyp="http://schemas.microsoft.com/office/drawing/2018/hyperlinkcolor">
   <p:cSld>
     <p:spTree>
       <p:nvGrpSpPr>
-        <p:cNvPr id="146" name="Shape 146"/>
+        <p:cNvPr id="141" name="Shape 141"/>
         <p:cNvGrpSpPr/>
         <p:nvPr/>
       </p:nvGrpSpPr>
@@ -12672,7 +11594,7 @@
       </p:grpSpPr>
       <p:sp>
         <p:nvSpPr>
-          <p:cNvPr id="147" name="Google Shape;147;p13"/>
+          <p:cNvPr id="142" name="Google Shape;142;p13"/>
           <p:cNvSpPr txBox="1"/>
           <p:nvPr>
             <p:ph type="title"/>
@@ -12730,7 +11652,7 @@
       </p:sp>
       <p:pic>
         <p:nvPicPr>
-          <p:cNvPr id="148" name="Google Shape;148;p13" title="Chart"/>
+          <p:cNvPr id="143" name="Google Shape;143;p13" title="Chart"/>
           <p:cNvPicPr preferRelativeResize="0"/>
           <p:nvPr/>
         </p:nvPicPr>
@@ -12757,7 +11679,7 @@
       </p:pic>
       <p:pic>
         <p:nvPicPr>
-          <p:cNvPr id="149" name="Google Shape;149;p13" title="Points scored"/>
+          <p:cNvPr id="144" name="Google Shape;144;p13" title="Points scored"/>
           <p:cNvPicPr preferRelativeResize="0"/>
           <p:nvPr/>
         </p:nvPicPr>
@@ -12790,12 +11712,12 @@
 </p:sld>
 </file>
 
-<file path=ppt/slides/slide14.xml><?xml version="1.0" encoding="utf-8"?>
+<file path=ppt/slides/slide13.xml><?xml version="1.0" encoding="utf-8"?>
 <p:sld xmlns:a="http://schemas.openxmlformats.org/drawingml/2006/main" xmlns:r="http://schemas.openxmlformats.org/officeDocument/2006/relationships" xmlns:mc="http://schemas.openxmlformats.org/markup-compatibility/2006" xmlns:mv="urn:schemas-microsoft-com:mac:vml" xmlns:p="http://schemas.openxmlformats.org/presentationml/2006/main" xmlns:c="http://schemas.openxmlformats.org/drawingml/2006/chart" xmlns:dgm="http://schemas.openxmlformats.org/drawingml/2006/diagram" xmlns:o="urn:schemas-microsoft-com:office:office" xmlns:v="urn:schemas-microsoft-com:vml" xmlns:pvml="urn:schemas-microsoft-com:office:powerpoint" xmlns:com="http://schemas.openxmlformats.org/drawingml/2006/compatibility" xmlns:p14="http://schemas.microsoft.com/office/powerpoint/2010/main" xmlns:p15="http://schemas.microsoft.com/office/powerpoint/2012/main" xmlns:ahyp="http://schemas.microsoft.com/office/drawing/2018/hyperlinkcolor">
   <p:cSld>
     <p:spTree>
       <p:nvGrpSpPr>
-        <p:cNvPr id="153" name="Shape 153"/>
+        <p:cNvPr id="148" name="Shape 148"/>
         <p:cNvGrpSpPr/>
         <p:nvPr/>
       </p:nvGrpSpPr>
@@ -12809,7 +11731,7 @@
       </p:grpSpPr>
       <p:sp>
         <p:nvSpPr>
-          <p:cNvPr id="154" name="Google Shape;154;p14"/>
+          <p:cNvPr id="149" name="Google Shape;149;p14"/>
           <p:cNvSpPr txBox="1"/>
           <p:nvPr>
             <p:ph type="title"/>
@@ -12867,7 +11789,7 @@
       </p:sp>
       <p:sp>
         <p:nvSpPr>
-          <p:cNvPr id="155" name="Google Shape;155;p14"/>
+          <p:cNvPr id="150" name="Google Shape;150;p14"/>
           <p:cNvSpPr txBox="1"/>
           <p:nvPr/>
         </p:nvSpPr>
@@ -12933,7 +11855,7 @@
       </p:sp>
       <p:pic>
         <p:nvPicPr>
-          <p:cNvPr id="156" name="Google Shape;156;p14"/>
+          <p:cNvPr id="151" name="Google Shape;151;p14"/>
           <p:cNvPicPr preferRelativeResize="0"/>
           <p:nvPr/>
         </p:nvPicPr>
@@ -12960,7 +11882,7 @@
       </p:pic>
       <p:sp>
         <p:nvSpPr>
-          <p:cNvPr id="157" name="Google Shape;157;p14"/>
+          <p:cNvPr id="152" name="Google Shape;152;p14"/>
           <p:cNvSpPr txBox="1"/>
           <p:nvPr/>
         </p:nvSpPr>
@@ -13066,7 +11988,7 @@
       </p:sp>
       <p:sp>
         <p:nvSpPr>
-          <p:cNvPr id="158" name="Google Shape;158;p14"/>
+          <p:cNvPr id="153" name="Google Shape;153;p14"/>
           <p:cNvSpPr txBox="1"/>
           <p:nvPr/>
         </p:nvSpPr>
@@ -13132,7 +12054,7 @@
       </p:sp>
       <p:sp>
         <p:nvSpPr>
-          <p:cNvPr id="159" name="Google Shape;159;p14"/>
+          <p:cNvPr id="154" name="Google Shape;154;p14"/>
           <p:cNvSpPr txBox="1"/>
           <p:nvPr/>
         </p:nvSpPr>
@@ -13238,7 +12160,7 @@
       </p:sp>
       <p:pic>
         <p:nvPicPr>
-          <p:cNvPr id="160" name="Google Shape;160;p14"/>
+          <p:cNvPr id="155" name="Google Shape;155;p14"/>
           <p:cNvPicPr preferRelativeResize="0"/>
           <p:nvPr/>
         </p:nvPicPr>
@@ -13265,7 +12187,7 @@
       </p:pic>
       <p:sp>
         <p:nvSpPr>
-          <p:cNvPr id="161" name="Google Shape;161;p14"/>
+          <p:cNvPr id="156" name="Google Shape;156;p14"/>
           <p:cNvSpPr txBox="1"/>
           <p:nvPr/>
         </p:nvSpPr>
@@ -13331,7 +12253,7 @@
       </p:sp>
       <p:sp>
         <p:nvSpPr>
-          <p:cNvPr id="162" name="Google Shape;162;p14"/>
+          <p:cNvPr id="157" name="Google Shape;157;p14"/>
           <p:cNvSpPr txBox="1"/>
           <p:nvPr/>
         </p:nvSpPr>
@@ -13437,7 +12359,7 @@
       </p:sp>
       <p:pic>
         <p:nvPicPr>
-          <p:cNvPr id="163" name="Google Shape;163;p14"/>
+          <p:cNvPr id="158" name="Google Shape;158;p14"/>
           <p:cNvPicPr preferRelativeResize="0"/>
           <p:nvPr/>
         </p:nvPicPr>
@@ -15105,7 +14027,7 @@
             <a:tbl>
               <a:tblPr>
                 <a:noFill/>
-                <a:tableStyleId>{6FBC4A37-B1B2-450A-A95F-50C0DBD04C48}</a:tableStyleId>
+                <a:tableStyleId>{557D6326-2FC7-4AF0-93A4-37D20C0A21E1}</a:tableStyleId>
               </a:tblPr>
               <a:tblGrid>
                 <a:gridCol w="3619500"/>
@@ -15581,7 +14503,7 @@
         </p:blipFill>
         <p:spPr>
           <a:xfrm>
-            <a:off x="1075550" y="1658575"/>
+            <a:off x="1075300" y="1386450"/>
             <a:ext cx="1605475" cy="1044975"/>
           </a:xfrm>
           <a:prstGeom prst="rect">
@@ -15608,7 +14530,7 @@
         </p:blipFill>
         <p:spPr>
           <a:xfrm>
-            <a:off x="7051675" y="2628124"/>
+            <a:off x="7051425" y="2355999"/>
             <a:ext cx="1428250" cy="1093975"/>
           </a:xfrm>
           <a:prstGeom prst="rect">
@@ -15636,7 +14558,7 @@
         </p:blipFill>
         <p:spPr>
           <a:xfrm>
-            <a:off x="5762550" y="1379538"/>
+            <a:off x="5762300" y="1107413"/>
             <a:ext cx="2497174" cy="1248587"/>
           </a:xfrm>
           <a:prstGeom prst="rect">
@@ -15664,7 +14586,7 @@
         </p:blipFill>
         <p:spPr>
           <a:xfrm>
-            <a:off x="3251150" y="1685500"/>
+            <a:off x="3250900" y="1413375"/>
             <a:ext cx="2343150" cy="819410"/>
           </a:xfrm>
           <a:prstGeom prst="rect">
@@ -15692,7 +14614,7 @@
         </p:blipFill>
         <p:spPr>
           <a:xfrm>
-            <a:off x="772380" y="2970992"/>
+            <a:off x="772130" y="2698867"/>
             <a:ext cx="781050" cy="781050"/>
           </a:xfrm>
           <a:prstGeom prst="rect">
@@ -15720,7 +14642,7 @@
         </p:blipFill>
         <p:spPr>
           <a:xfrm>
-            <a:off x="1696737" y="3016310"/>
+            <a:off x="1696487" y="2744185"/>
             <a:ext cx="2343150" cy="777028"/>
           </a:xfrm>
           <a:prstGeom prst="rect">
@@ -15748,7 +14670,7 @@
         </p:blipFill>
         <p:spPr>
           <a:xfrm>
-            <a:off x="4117399" y="2742401"/>
+            <a:off x="4117149" y="2470276"/>
             <a:ext cx="1238250" cy="1238250"/>
           </a:xfrm>
           <a:prstGeom prst="rect">
@@ -15775,7 +14697,7 @@
         </p:blipFill>
         <p:spPr>
           <a:xfrm>
-            <a:off x="5481396" y="2871201"/>
+            <a:off x="5481146" y="2599076"/>
             <a:ext cx="1371192" cy="781050"/>
           </a:xfrm>
           <a:prstGeom prst="rect">
@@ -15787,6 +14709,601 @@
           </a:ln>
         </p:spPr>
       </p:pic>
+      <p:graphicFrame>
+        <p:nvGraphicFramePr>
+          <p:cNvPr id="117" name="Google Shape;117;p9"/>
+          <p:cNvGraphicFramePr/>
+          <p:nvPr/>
+        </p:nvGraphicFramePr>
+        <p:xfrm>
+          <a:off x="898588" y="3747375"/>
+          <a:ext cx="3000000" cy="3000000"/>
+        </p:xfrm>
+        <a:graphic>
+          <a:graphicData uri="http://schemas.openxmlformats.org/drawingml/2006/table">
+            <a:tbl>
+              <a:tblPr>
+                <a:noFill/>
+                <a:tableStyleId>{6BD5571D-BF12-42CE-B03C-B07DF4B7E06C}</a:tableStyleId>
+              </a:tblPr>
+              <a:tblGrid>
+                <a:gridCol w="797975"/>
+                <a:gridCol w="1146250"/>
+                <a:gridCol w="846250"/>
+                <a:gridCol w="808575"/>
+                <a:gridCol w="1056225"/>
+                <a:gridCol w="674275"/>
+                <a:gridCol w="1198700"/>
+                <a:gridCol w="818575"/>
+              </a:tblGrid>
+              <a:tr h="381000">
+                <a:tc>
+                  <a:txBody>
+                    <a:bodyPr/>
+                    <a:lstStyle/>
+                    <a:p>
+                      <a:pPr indent="0" lvl="0" marL="0" rtl="0" algn="l">
+                        <a:spcBef>
+                          <a:spcPts val="0"/>
+                        </a:spcBef>
+                        <a:spcAft>
+                          <a:spcPts val="0"/>
+                        </a:spcAft>
+                        <a:buNone/>
+                      </a:pPr>
+                      <a:r>
+                        <a:rPr lang="en">
+                          <a:latin typeface="Lora"/>
+                          <a:ea typeface="Lora"/>
+                          <a:cs typeface="Lora"/>
+                          <a:sym typeface="Lora"/>
+                        </a:rPr>
+                        <a:t>Python</a:t>
+                      </a:r>
+                      <a:endParaRPr>
+                        <a:latin typeface="Lora"/>
+                        <a:ea typeface="Lora"/>
+                        <a:cs typeface="Lora"/>
+                        <a:sym typeface="Lora"/>
+                      </a:endParaRPr>
+                    </a:p>
+                  </a:txBody>
+                  <a:tcPr marT="91425" marB="91425" marR="91425" marL="91425">
+                    <a:solidFill>
+                      <a:schemeClr val="lt2"/>
+                    </a:solidFill>
+                  </a:tcPr>
+                </a:tc>
+                <a:tc>
+                  <a:txBody>
+                    <a:bodyPr/>
+                    <a:lstStyle/>
+                    <a:p>
+                      <a:pPr indent="0" lvl="0" marL="0" rtl="0" algn="l">
+                        <a:spcBef>
+                          <a:spcPts val="0"/>
+                        </a:spcBef>
+                        <a:spcAft>
+                          <a:spcPts val="0"/>
+                        </a:spcAft>
+                        <a:buNone/>
+                      </a:pPr>
+                      <a:r>
+                        <a:rPr lang="en">
+                          <a:latin typeface="Lora"/>
+                          <a:ea typeface="Lora"/>
+                          <a:cs typeface="Lora"/>
+                          <a:sym typeface="Lora"/>
+                        </a:rPr>
+                        <a:t>Tensorflow</a:t>
+                      </a:r>
+                      <a:endParaRPr>
+                        <a:latin typeface="Lora"/>
+                        <a:ea typeface="Lora"/>
+                        <a:cs typeface="Lora"/>
+                        <a:sym typeface="Lora"/>
+                      </a:endParaRPr>
+                    </a:p>
+                  </a:txBody>
+                  <a:tcPr marT="91425" marB="91425" marR="91425" marL="91425">
+                    <a:solidFill>
+                      <a:schemeClr val="lt2"/>
+                    </a:solidFill>
+                  </a:tcPr>
+                </a:tc>
+                <a:tc>
+                  <a:txBody>
+                    <a:bodyPr/>
+                    <a:lstStyle/>
+                    <a:p>
+                      <a:pPr indent="0" lvl="0" marL="0" rtl="0" algn="l">
+                        <a:spcBef>
+                          <a:spcPts val="0"/>
+                        </a:spcBef>
+                        <a:spcAft>
+                          <a:spcPts val="0"/>
+                        </a:spcAft>
+                        <a:buNone/>
+                      </a:pPr>
+                      <a:r>
+                        <a:rPr lang="en">
+                          <a:latin typeface="Lora"/>
+                          <a:ea typeface="Lora"/>
+                          <a:cs typeface="Lora"/>
+                          <a:sym typeface="Lora"/>
+                        </a:rPr>
+                        <a:t>Keras</a:t>
+                      </a:r>
+                      <a:endParaRPr>
+                        <a:latin typeface="Lora"/>
+                        <a:ea typeface="Lora"/>
+                        <a:cs typeface="Lora"/>
+                        <a:sym typeface="Lora"/>
+                      </a:endParaRPr>
+                    </a:p>
+                  </a:txBody>
+                  <a:tcPr marT="91425" marB="91425" marR="91425" marL="91425">
+                    <a:solidFill>
+                      <a:schemeClr val="lt2"/>
+                    </a:solidFill>
+                  </a:tcPr>
+                </a:tc>
+                <a:tc>
+                  <a:txBody>
+                    <a:bodyPr/>
+                    <a:lstStyle/>
+                    <a:p>
+                      <a:pPr indent="0" lvl="0" marL="0" rtl="0" algn="l">
+                        <a:spcBef>
+                          <a:spcPts val="0"/>
+                        </a:spcBef>
+                        <a:spcAft>
+                          <a:spcPts val="0"/>
+                        </a:spcAft>
+                        <a:buNone/>
+                      </a:pPr>
+                      <a:r>
+                        <a:rPr lang="en">
+                          <a:latin typeface="Lora"/>
+                          <a:ea typeface="Lora"/>
+                          <a:cs typeface="Lora"/>
+                          <a:sym typeface="Lora"/>
+                        </a:rPr>
+                        <a:t>Numpy</a:t>
+                      </a:r>
+                      <a:endParaRPr>
+                        <a:latin typeface="Lora"/>
+                        <a:ea typeface="Lora"/>
+                        <a:cs typeface="Lora"/>
+                        <a:sym typeface="Lora"/>
+                      </a:endParaRPr>
+                    </a:p>
+                  </a:txBody>
+                  <a:tcPr marT="91425" marB="91425" marR="91425" marL="91425">
+                    <a:solidFill>
+                      <a:schemeClr val="lt2"/>
+                    </a:solidFill>
+                  </a:tcPr>
+                </a:tc>
+                <a:tc>
+                  <a:txBody>
+                    <a:bodyPr/>
+                    <a:lstStyle/>
+                    <a:p>
+                      <a:pPr indent="0" lvl="0" marL="0" rtl="0" algn="l">
+                        <a:spcBef>
+                          <a:spcPts val="0"/>
+                        </a:spcBef>
+                        <a:spcAft>
+                          <a:spcPts val="0"/>
+                        </a:spcAft>
+                        <a:buNone/>
+                      </a:pPr>
+                      <a:r>
+                        <a:rPr lang="en">
+                          <a:latin typeface="Lora"/>
+                          <a:ea typeface="Lora"/>
+                          <a:cs typeface="Lora"/>
+                          <a:sym typeface="Lora"/>
+                        </a:rPr>
+                        <a:t>Matplotlib</a:t>
+                      </a:r>
+                      <a:endParaRPr>
+                        <a:latin typeface="Lora"/>
+                        <a:ea typeface="Lora"/>
+                        <a:cs typeface="Lora"/>
+                        <a:sym typeface="Lora"/>
+                      </a:endParaRPr>
+                    </a:p>
+                  </a:txBody>
+                  <a:tcPr marT="91425" marB="91425" marR="91425" marL="91425">
+                    <a:solidFill>
+                      <a:schemeClr val="lt2"/>
+                    </a:solidFill>
+                  </a:tcPr>
+                </a:tc>
+                <a:tc>
+                  <a:txBody>
+                    <a:bodyPr/>
+                    <a:lstStyle/>
+                    <a:p>
+                      <a:pPr indent="0" lvl="0" marL="0" rtl="0" algn="l">
+                        <a:spcBef>
+                          <a:spcPts val="0"/>
+                        </a:spcBef>
+                        <a:spcAft>
+                          <a:spcPts val="0"/>
+                        </a:spcAft>
+                        <a:buNone/>
+                      </a:pPr>
+                      <a:r>
+                        <a:rPr lang="en">
+                          <a:latin typeface="Lora"/>
+                          <a:ea typeface="Lora"/>
+                          <a:cs typeface="Lora"/>
+                          <a:sym typeface="Lora"/>
+                        </a:rPr>
+                        <a:t>HDF5</a:t>
+                      </a:r>
+                      <a:endParaRPr>
+                        <a:latin typeface="Lora"/>
+                        <a:ea typeface="Lora"/>
+                        <a:cs typeface="Lora"/>
+                        <a:sym typeface="Lora"/>
+                      </a:endParaRPr>
+                    </a:p>
+                  </a:txBody>
+                  <a:tcPr marT="91425" marB="91425" marR="91425" marL="91425">
+                    <a:solidFill>
+                      <a:schemeClr val="lt2"/>
+                    </a:solidFill>
+                  </a:tcPr>
+                </a:tc>
+                <a:tc>
+                  <a:txBody>
+                    <a:bodyPr/>
+                    <a:lstStyle/>
+                    <a:p>
+                      <a:pPr indent="0" lvl="0" marL="0" rtl="0" algn="l">
+                        <a:spcBef>
+                          <a:spcPts val="0"/>
+                        </a:spcBef>
+                        <a:spcAft>
+                          <a:spcPts val="0"/>
+                        </a:spcAft>
+                        <a:buNone/>
+                      </a:pPr>
+                      <a:r>
+                        <a:rPr lang="en">
+                          <a:latin typeface="Lora"/>
+                          <a:ea typeface="Lora"/>
+                          <a:cs typeface="Lora"/>
+                          <a:sym typeface="Lora"/>
+                        </a:rPr>
+                        <a:t>Scikit-learn</a:t>
+                      </a:r>
+                      <a:endParaRPr>
+                        <a:latin typeface="Lora"/>
+                        <a:ea typeface="Lora"/>
+                        <a:cs typeface="Lora"/>
+                        <a:sym typeface="Lora"/>
+                      </a:endParaRPr>
+                    </a:p>
+                  </a:txBody>
+                  <a:tcPr marT="91425" marB="91425" marR="91425" marL="91425">
+                    <a:solidFill>
+                      <a:schemeClr val="lt2"/>
+                    </a:solidFill>
+                  </a:tcPr>
+                </a:tc>
+                <a:tc>
+                  <a:txBody>
+                    <a:bodyPr/>
+                    <a:lstStyle/>
+                    <a:p>
+                      <a:pPr indent="0" lvl="0" marL="0" rtl="0" algn="l">
+                        <a:spcBef>
+                          <a:spcPts val="0"/>
+                        </a:spcBef>
+                        <a:spcAft>
+                          <a:spcPts val="0"/>
+                        </a:spcAft>
+                        <a:buNone/>
+                      </a:pPr>
+                      <a:r>
+                        <a:rPr lang="en">
+                          <a:latin typeface="Lora"/>
+                          <a:ea typeface="Lora"/>
+                          <a:cs typeface="Lora"/>
+                          <a:sym typeface="Lora"/>
+                        </a:rPr>
+                        <a:t>GPU</a:t>
+                      </a:r>
+                      <a:endParaRPr>
+                        <a:latin typeface="Lora"/>
+                        <a:ea typeface="Lora"/>
+                        <a:cs typeface="Lora"/>
+                        <a:sym typeface="Lora"/>
+                      </a:endParaRPr>
+                    </a:p>
+                  </a:txBody>
+                  <a:tcPr marT="91425" marB="91425" marR="91425" marL="91425">
+                    <a:solidFill>
+                      <a:schemeClr val="lt2"/>
+                    </a:solidFill>
+                  </a:tcPr>
+                </a:tc>
+              </a:tr>
+              <a:tr h="381000">
+                <a:tc>
+                  <a:txBody>
+                    <a:bodyPr/>
+                    <a:lstStyle/>
+                    <a:p>
+                      <a:pPr indent="0" lvl="0" marL="0" rtl="0" algn="l">
+                        <a:spcBef>
+                          <a:spcPts val="0"/>
+                        </a:spcBef>
+                        <a:spcAft>
+                          <a:spcPts val="0"/>
+                        </a:spcAft>
+                        <a:buNone/>
+                      </a:pPr>
+                      <a:r>
+                        <a:rPr lang="en">
+                          <a:latin typeface="Lora"/>
+                          <a:ea typeface="Lora"/>
+                          <a:cs typeface="Lora"/>
+                          <a:sym typeface="Lora"/>
+                        </a:rPr>
+                        <a:t>3.10.12</a:t>
+                      </a:r>
+                      <a:endParaRPr>
+                        <a:latin typeface="Lora"/>
+                        <a:ea typeface="Lora"/>
+                        <a:cs typeface="Lora"/>
+                        <a:sym typeface="Lora"/>
+                      </a:endParaRPr>
+                    </a:p>
+                  </a:txBody>
+                  <a:tcPr marT="91425" marB="91425" marR="91425" marL="91425"/>
+                </a:tc>
+                <a:tc>
+                  <a:txBody>
+                    <a:bodyPr/>
+                    <a:lstStyle/>
+                    <a:p>
+                      <a:pPr indent="0" lvl="0" marL="0" rtl="0" algn="l">
+                        <a:spcBef>
+                          <a:spcPts val="0"/>
+                        </a:spcBef>
+                        <a:spcAft>
+                          <a:spcPts val="0"/>
+                        </a:spcAft>
+                        <a:buNone/>
+                      </a:pPr>
+                      <a:r>
+                        <a:rPr lang="en">
+                          <a:latin typeface="Lora"/>
+                          <a:ea typeface="Lora"/>
+                          <a:cs typeface="Lora"/>
+                          <a:sym typeface="Lora"/>
+                        </a:rPr>
+                        <a:t>2.14.0</a:t>
+                      </a:r>
+                      <a:endParaRPr>
+                        <a:latin typeface="Lora"/>
+                        <a:ea typeface="Lora"/>
+                        <a:cs typeface="Lora"/>
+                        <a:sym typeface="Lora"/>
+                      </a:endParaRPr>
+                    </a:p>
+                  </a:txBody>
+                  <a:tcPr marT="91425" marB="91425" marR="91425" marL="91425"/>
+                </a:tc>
+                <a:tc>
+                  <a:txBody>
+                    <a:bodyPr/>
+                    <a:lstStyle/>
+                    <a:p>
+                      <a:pPr indent="0" lvl="0" marL="0" rtl="0" algn="l">
+                        <a:spcBef>
+                          <a:spcPts val="0"/>
+                        </a:spcBef>
+                        <a:spcAft>
+                          <a:spcPts val="0"/>
+                        </a:spcAft>
+                        <a:buNone/>
+                      </a:pPr>
+                      <a:r>
+                        <a:rPr lang="en">
+                          <a:latin typeface="Lora"/>
+                          <a:ea typeface="Lora"/>
+                          <a:cs typeface="Lora"/>
+                          <a:sym typeface="Lora"/>
+                        </a:rPr>
+                        <a:t>2.14.0</a:t>
+                      </a:r>
+                      <a:endParaRPr>
+                        <a:latin typeface="Lora"/>
+                        <a:ea typeface="Lora"/>
+                        <a:cs typeface="Lora"/>
+                        <a:sym typeface="Lora"/>
+                      </a:endParaRPr>
+                    </a:p>
+                  </a:txBody>
+                  <a:tcPr marT="91425" marB="91425" marR="91425" marL="91425"/>
+                </a:tc>
+                <a:tc>
+                  <a:txBody>
+                    <a:bodyPr/>
+                    <a:lstStyle/>
+                    <a:p>
+                      <a:pPr indent="0" lvl="0" marL="0" rtl="0" algn="l">
+                        <a:spcBef>
+                          <a:spcPts val="0"/>
+                        </a:spcBef>
+                        <a:spcAft>
+                          <a:spcPts val="0"/>
+                        </a:spcAft>
+                        <a:buNone/>
+                      </a:pPr>
+                      <a:r>
+                        <a:rPr lang="en">
+                          <a:latin typeface="Lora"/>
+                          <a:ea typeface="Lora"/>
+                          <a:cs typeface="Lora"/>
+                          <a:sym typeface="Lora"/>
+                        </a:rPr>
+                        <a:t>1.23.5</a:t>
+                      </a:r>
+                      <a:endParaRPr>
+                        <a:latin typeface="Lora"/>
+                        <a:ea typeface="Lora"/>
+                        <a:cs typeface="Lora"/>
+                        <a:sym typeface="Lora"/>
+                      </a:endParaRPr>
+                    </a:p>
+                  </a:txBody>
+                  <a:tcPr marT="91425" marB="91425" marR="91425" marL="91425"/>
+                </a:tc>
+                <a:tc>
+                  <a:txBody>
+                    <a:bodyPr/>
+                    <a:lstStyle/>
+                    <a:p>
+                      <a:pPr indent="0" lvl="0" marL="0" rtl="0" algn="l">
+                        <a:spcBef>
+                          <a:spcPts val="0"/>
+                        </a:spcBef>
+                        <a:spcAft>
+                          <a:spcPts val="0"/>
+                        </a:spcAft>
+                        <a:buNone/>
+                      </a:pPr>
+                      <a:r>
+                        <a:rPr lang="en">
+                          <a:latin typeface="Lora"/>
+                          <a:ea typeface="Lora"/>
+                          <a:cs typeface="Lora"/>
+                          <a:sym typeface="Lora"/>
+                        </a:rPr>
+                        <a:t>3.7.1</a:t>
+                      </a:r>
+                      <a:endParaRPr>
+                        <a:latin typeface="Lora"/>
+                        <a:ea typeface="Lora"/>
+                        <a:cs typeface="Lora"/>
+                        <a:sym typeface="Lora"/>
+                      </a:endParaRPr>
+                    </a:p>
+                  </a:txBody>
+                  <a:tcPr marT="91425" marB="91425" marR="91425" marL="91425"/>
+                </a:tc>
+                <a:tc>
+                  <a:txBody>
+                    <a:bodyPr/>
+                    <a:lstStyle/>
+                    <a:p>
+                      <a:pPr indent="0" lvl="0" marL="0" rtl="0" algn="l">
+                        <a:spcBef>
+                          <a:spcPts val="0"/>
+                        </a:spcBef>
+                        <a:spcAft>
+                          <a:spcPts val="0"/>
+                        </a:spcAft>
+                        <a:buNone/>
+                      </a:pPr>
+                      <a:r>
+                        <a:rPr lang="en">
+                          <a:latin typeface="Lora"/>
+                          <a:ea typeface="Lora"/>
+                          <a:cs typeface="Lora"/>
+                          <a:sym typeface="Lora"/>
+                        </a:rPr>
+                        <a:t>3.9.0</a:t>
+                      </a:r>
+                      <a:endParaRPr>
+                        <a:latin typeface="Lora"/>
+                        <a:ea typeface="Lora"/>
+                        <a:cs typeface="Lora"/>
+                        <a:sym typeface="Lora"/>
+                      </a:endParaRPr>
+                    </a:p>
+                  </a:txBody>
+                  <a:tcPr marT="91425" marB="91425" marR="91425" marL="91425"/>
+                </a:tc>
+                <a:tc>
+                  <a:txBody>
+                    <a:bodyPr/>
+                    <a:lstStyle/>
+                    <a:p>
+                      <a:pPr indent="0" lvl="0" marL="0" rtl="0" algn="l">
+                        <a:spcBef>
+                          <a:spcPts val="0"/>
+                        </a:spcBef>
+                        <a:spcAft>
+                          <a:spcPts val="0"/>
+                        </a:spcAft>
+                        <a:buNone/>
+                      </a:pPr>
+                      <a:r>
+                        <a:rPr lang="en">
+                          <a:latin typeface="Lora"/>
+                          <a:ea typeface="Lora"/>
+                          <a:cs typeface="Lora"/>
+                          <a:sym typeface="Lora"/>
+                        </a:rPr>
+                        <a:t>1.2.2</a:t>
+                      </a:r>
+                      <a:endParaRPr>
+                        <a:latin typeface="Lora"/>
+                        <a:ea typeface="Lora"/>
+                        <a:cs typeface="Lora"/>
+                        <a:sym typeface="Lora"/>
+                      </a:endParaRPr>
+                    </a:p>
+                  </a:txBody>
+                  <a:tcPr marT="91425" marB="91425" marR="91425" marL="91425"/>
+                </a:tc>
+                <a:tc>
+                  <a:txBody>
+                    <a:bodyPr/>
+                    <a:lstStyle/>
+                    <a:p>
+                      <a:pPr indent="0" lvl="0" marL="0" rtl="0" algn="l">
+                        <a:spcBef>
+                          <a:spcPts val="0"/>
+                        </a:spcBef>
+                        <a:spcAft>
+                          <a:spcPts val="0"/>
+                        </a:spcAft>
+                        <a:buNone/>
+                      </a:pPr>
+                      <a:r>
+                        <a:rPr lang="en">
+                          <a:latin typeface="Lora"/>
+                          <a:ea typeface="Lora"/>
+                          <a:cs typeface="Lora"/>
+                          <a:sym typeface="Lora"/>
+                        </a:rPr>
+                        <a:t>Tesla V100</a:t>
+                      </a:r>
+                      <a:endParaRPr>
+                        <a:latin typeface="Lora"/>
+                        <a:ea typeface="Lora"/>
+                        <a:cs typeface="Lora"/>
+                        <a:sym typeface="Lora"/>
+                      </a:endParaRPr>
+                    </a:p>
+                  </a:txBody>
+                  <a:tcPr marT="91425" marB="91425" marR="91425" marL="91425"/>
+                </a:tc>
+              </a:tr>
+            </a:tbl>
+          </a:graphicData>
+        </a:graphic>
+      </p:graphicFrame>
     </p:spTree>
   </p:cSld>
   <p:clrMapOvr>
